--- a/ZombieShooter.pptx
+++ b/ZombieShooter.pptx
@@ -5,7 +5,7 @@
     <p:sldMasterId id="2147483678" r:id="rId1"/>
   </p:sldMasterIdLst>
   <p:notesMasterIdLst>
-    <p:notesMasterId r:id="rId14"/>
+    <p:notesMasterId r:id="rId15"/>
   </p:notesMasterIdLst>
   <p:sldIdLst>
     <p:sldId id="256" r:id="rId2"/>
@@ -14,31 +14,32 @@
     <p:sldId id="315" r:id="rId5"/>
     <p:sldId id="269" r:id="rId6"/>
     <p:sldId id="312" r:id="rId7"/>
-    <p:sldId id="272" r:id="rId8"/>
-    <p:sldId id="313" r:id="rId9"/>
-    <p:sldId id="314" r:id="rId10"/>
-    <p:sldId id="283" r:id="rId11"/>
-    <p:sldId id="279" r:id="rId12"/>
-    <p:sldId id="316" r:id="rId13"/>
+    <p:sldId id="317" r:id="rId8"/>
+    <p:sldId id="272" r:id="rId9"/>
+    <p:sldId id="313" r:id="rId10"/>
+    <p:sldId id="314" r:id="rId11"/>
+    <p:sldId id="283" r:id="rId12"/>
+    <p:sldId id="279" r:id="rId13"/>
+    <p:sldId id="316" r:id="rId14"/>
   </p:sldIdLst>
   <p:sldSz cx="9144000" cy="5143500" type="screen16x9"/>
   <p:notesSz cx="6858000" cy="9144000"/>
   <p:embeddedFontLst>
     <p:embeddedFont>
-      <p:font typeface="Press Start 2P" panose="020B0604020202020204" charset="0"/>
-      <p:regular r:id="rId15"/>
+      <p:font typeface="Lato" panose="020B0604020202020204" charset="0"/>
+      <p:regular r:id="rId16"/>
+      <p:bold r:id="rId17"/>
+      <p:italic r:id="rId18"/>
+      <p:boldItalic r:id="rId19"/>
     </p:embeddedFont>
     <p:embeddedFont>
       <p:font typeface="Maven Pro" panose="020B0604020202020204" charset="-18"/>
-      <p:regular r:id="rId16"/>
-      <p:bold r:id="rId17"/>
+      <p:regular r:id="rId20"/>
+      <p:bold r:id="rId21"/>
     </p:embeddedFont>
     <p:embeddedFont>
-      <p:font typeface="Lato" panose="020B0604020202020204" charset="0"/>
-      <p:regular r:id="rId18"/>
-      <p:bold r:id="rId19"/>
-      <p:italic r:id="rId20"/>
-      <p:boldItalic r:id="rId21"/>
+      <p:font typeface="Press Start 2P" panose="020B0604020202020204" charset="0"/>
+      <p:regular r:id="rId22"/>
     </p:embeddedFont>
   </p:embeddedFontLst>
   <p:defaultTextStyle>
@@ -23540,6 +23541,1853 @@
   <p:cSld>
     <p:spTree>
       <p:nvGrpSpPr>
+        <p:cNvPr id="1" name=""/>
+        <p:cNvGrpSpPr/>
+        <p:nvPr/>
+      </p:nvGrpSpPr>
+      <p:grpSpPr>
+        <a:xfrm>
+          <a:off x="0" y="0"/>
+          <a:ext cx="0" cy="0"/>
+          <a:chOff x="0" y="0"/>
+          <a:chExt cx="0" cy="0"/>
+        </a:xfrm>
+      </p:grpSpPr>
+      <p:sp>
+        <p:nvSpPr>
+          <p:cNvPr id="2" name="Cím 1"/>
+          <p:cNvSpPr>
+            <a:spLocks noGrp="1"/>
+          </p:cNvSpPr>
+          <p:nvPr>
+            <p:ph type="title"/>
+          </p:nvPr>
+        </p:nvSpPr>
+        <p:spPr>
+          <a:xfrm>
+            <a:off x="155743" y="311147"/>
+            <a:ext cx="5690302" cy="517431"/>
+          </a:xfrm>
+        </p:spPr>
+        <p:txBody>
+          <a:bodyPr/>
+          <a:lstStyle/>
+          <a:p>
+            <a:pPr algn="l"/>
+            <a:r>
+              <a:rPr lang="hu-HU" sz="5400" spc="300" dirty="0" smtClean="0">
+                <a:latin typeface="Times New Roman" panose="02020603050405020304" pitchFamily="18" charset="0"/>
+                <a:cs typeface="Times New Roman" panose="02020603050405020304" pitchFamily="18" charset="0"/>
+              </a:rPr>
+              <a:t>Technológia:</a:t>
+            </a:r>
+            <a:endParaRPr lang="hu-HU" sz="5400" spc="300" dirty="0">
+              <a:latin typeface="Times New Roman" panose="02020603050405020304" pitchFamily="18" charset="0"/>
+              <a:cs typeface="Times New Roman" panose="02020603050405020304" pitchFamily="18" charset="0"/>
+            </a:endParaRPr>
+          </a:p>
+        </p:txBody>
+      </p:sp>
+      <p:sp>
+        <p:nvSpPr>
+          <p:cNvPr id="3" name="Szövegdoboz 2"/>
+          <p:cNvSpPr txBox="1"/>
+          <p:nvPr/>
+        </p:nvSpPr>
+        <p:spPr>
+          <a:xfrm>
+            <a:off x="134236" y="941970"/>
+            <a:ext cx="3654982" cy="307777"/>
+          </a:xfrm>
+          <a:prstGeom prst="rect">
+            <a:avLst/>
+          </a:prstGeom>
+          <a:noFill/>
+        </p:spPr>
+        <p:txBody>
+          <a:bodyPr wrap="square" rtlCol="0">
+            <a:spAutoFit/>
+          </a:bodyPr>
+          <a:lstStyle/>
+          <a:p>
+            <a:pPr marL="285750" indent="-285750">
+              <a:buFont typeface="Arial" panose="020B0604020202020204" pitchFamily="34" charset="0"/>
+              <a:buChar char="•"/>
+            </a:pPr>
+            <a:endParaRPr lang="hu-HU" dirty="0"/>
+          </a:p>
+        </p:txBody>
+      </p:sp>
+      <p:sp>
+        <p:nvSpPr>
+          <p:cNvPr id="5" name="Rectangle 2"/>
+          <p:cNvSpPr>
+            <a:spLocks noChangeArrowheads="1"/>
+          </p:cNvSpPr>
+          <p:nvPr/>
+        </p:nvSpPr>
+        <p:spPr bwMode="auto">
+          <a:xfrm>
+            <a:off x="138476" y="958312"/>
+            <a:ext cx="4241549" cy="338554"/>
+          </a:xfrm>
+          <a:prstGeom prst="rect">
+            <a:avLst/>
+          </a:prstGeom>
+          <a:noFill/>
+          <a:ln>
+            <a:noFill/>
+          </a:ln>
+          <a:effectLst/>
+          <a:extLst>
+            <a:ext uri="{909E8E84-426E-40DD-AFC4-6F175D3DCCD1}">
+              <a14:hiddenFill xmlns:a14="http://schemas.microsoft.com/office/drawing/2010/main">
+                <a:solidFill>
+                  <a:schemeClr val="accent1"/>
+                </a:solidFill>
+              </a14:hiddenFill>
+            </a:ext>
+            <a:ext uri="{91240B29-F687-4F45-9708-019B960494DF}">
+              <a14:hiddenLine xmlns:a14="http://schemas.microsoft.com/office/drawing/2010/main" w="9525">
+                <a:solidFill>
+                  <a:schemeClr val="tx1"/>
+                </a:solidFill>
+                <a:miter lim="800000"/>
+                <a:headEnd/>
+                <a:tailEnd/>
+              </a14:hiddenLine>
+            </a:ext>
+            <a:ext uri="{AF507438-7753-43E0-B8FC-AC1667EBCBE1}">
+              <a14:hiddenEffects xmlns:a14="http://schemas.microsoft.com/office/drawing/2010/main">
+                <a:effectLst>
+                  <a:outerShdw dist="35921" dir="2700000" algn="ctr" rotWithShape="0">
+                    <a:schemeClr val="bg2"/>
+                  </a:outerShdw>
+                </a:effectLst>
+              </a14:hiddenEffects>
+            </a:ext>
+          </a:extLst>
+        </p:spPr>
+        <p:txBody>
+          <a:bodyPr vert="horz" wrap="square" lIns="91440" tIns="45720" rIns="91440" bIns="45720" numCol="1" anchor="ctr" anchorCtr="0" compatLnSpc="1">
+            <a:prstTxWarp prst="textNoShape">
+              <a:avLst/>
+            </a:prstTxWarp>
+            <a:spAutoFit/>
+          </a:bodyPr>
+          <a:lstStyle/>
+          <a:p>
+            <a:pPr marL="0" marR="0" lvl="0" indent="0" algn="l" defTabSz="914400" rtl="0" eaLnBrk="0" fontAlgn="base" latinLnBrk="0" hangingPunct="0">
+              <a:lnSpc>
+                <a:spcPct val="100000"/>
+              </a:lnSpc>
+              <a:spcBef>
+                <a:spcPct val="0"/>
+              </a:spcBef>
+              <a:spcAft>
+                <a:spcPct val="0"/>
+              </a:spcAft>
+              <a:buClrTx/>
+              <a:buSzTx/>
+              <a:buFontTx/>
+              <a:buNone/>
+              <a:tabLst/>
+            </a:pPr>
+            <a:r>
+              <a:rPr kumimoji="0" lang="hu-HU" altLang="hu-HU" sz="1600" b="1" i="0" u="sng" strike="noStrike" cap="none" normalizeH="0" baseline="0" dirty="0" err="1" smtClean="0">
+                <a:ln>
+                  <a:noFill/>
+                </a:ln>
+                <a:solidFill>
+                  <a:schemeClr val="tx1"/>
+                </a:solidFill>
+                <a:effectLst/>
+                <a:latin typeface="Arial" panose="020B0604020202020204" pitchFamily="34" charset="0"/>
+              </a:rPr>
+              <a:t>WinForms</a:t>
+            </a:r>
+            <a:r>
+              <a:rPr kumimoji="0" lang="hu-HU" altLang="hu-HU" sz="1600" b="1" i="0" u="sng" strike="noStrike" cap="none" normalizeH="0" baseline="0" dirty="0" smtClean="0">
+                <a:ln>
+                  <a:noFill/>
+                </a:ln>
+                <a:solidFill>
+                  <a:schemeClr val="tx1"/>
+                </a:solidFill>
+                <a:effectLst/>
+                <a:latin typeface="Arial" panose="020B0604020202020204" pitchFamily="34" charset="0"/>
+              </a:rPr>
+              <a:t> – </a:t>
+            </a:r>
+            <a:r>
+              <a:rPr kumimoji="0" lang="hu-HU" altLang="hu-HU" sz="1600" b="1" i="0" u="sng" strike="noStrike" cap="none" normalizeH="0" baseline="0" dirty="0" err="1" smtClean="0">
+                <a:ln>
+                  <a:noFill/>
+                </a:ln>
+                <a:solidFill>
+                  <a:schemeClr val="tx1"/>
+                </a:solidFill>
+                <a:effectLst/>
+                <a:latin typeface="Arial" panose="020B0604020202020204" pitchFamily="34" charset="0"/>
+              </a:rPr>
+              <a:t>ban</a:t>
+            </a:r>
+            <a:r>
+              <a:rPr kumimoji="0" lang="hu-HU" altLang="hu-HU" sz="1600" b="1" i="0" u="sng" strike="noStrike" cap="none" normalizeH="0" baseline="0" dirty="0" smtClean="0">
+                <a:ln>
+                  <a:noFill/>
+                </a:ln>
+                <a:solidFill>
+                  <a:schemeClr val="tx1"/>
+                </a:solidFill>
+                <a:effectLst/>
+                <a:latin typeface="Arial" panose="020B0604020202020204" pitchFamily="34" charset="0"/>
+              </a:rPr>
+              <a:t> néhány</a:t>
+            </a:r>
+            <a:r>
+              <a:rPr kumimoji="0" lang="hu-HU" altLang="hu-HU" sz="1600" b="1" i="0" u="sng" strike="noStrike" cap="none" normalizeH="0" dirty="0" smtClean="0">
+                <a:ln>
+                  <a:noFill/>
+                </a:ln>
+                <a:solidFill>
+                  <a:schemeClr val="tx1"/>
+                </a:solidFill>
+                <a:effectLst/>
+                <a:latin typeface="Arial" panose="020B0604020202020204" pitchFamily="34" charset="0"/>
+              </a:rPr>
+              <a:t> felhasznált elem:</a:t>
+            </a:r>
+            <a:endParaRPr kumimoji="0" lang="hu-HU" altLang="hu-HU" sz="1600" b="1" i="0" u="sng" strike="noStrike" cap="none" normalizeH="0" baseline="0" dirty="0" smtClean="0">
+              <a:ln>
+                <a:noFill/>
+              </a:ln>
+              <a:solidFill>
+                <a:schemeClr val="tx1"/>
+              </a:solidFill>
+              <a:effectLst/>
+              <a:latin typeface="Arial" panose="020B0604020202020204" pitchFamily="34" charset="0"/>
+            </a:endParaRPr>
+          </a:p>
+        </p:txBody>
+      </p:sp>
+      <p:sp>
+        <p:nvSpPr>
+          <p:cNvPr id="10" name="Szövegdoboz 9"/>
+          <p:cNvSpPr txBox="1"/>
+          <p:nvPr/>
+        </p:nvSpPr>
+        <p:spPr>
+          <a:xfrm>
+            <a:off x="0" y="3176755"/>
+            <a:ext cx="1323109" cy="1323439"/>
+          </a:xfrm>
+          <a:prstGeom prst="rect">
+            <a:avLst/>
+          </a:prstGeom>
+          <a:noFill/>
+        </p:spPr>
+        <p:txBody>
+          <a:bodyPr wrap="square" rtlCol="0">
+            <a:spAutoFit/>
+          </a:bodyPr>
+          <a:lstStyle/>
+          <a:p>
+            <a:r>
+              <a:rPr lang="hu-HU" dirty="0">
+                <a:solidFill>
+                  <a:schemeClr val="tx1"/>
+                </a:solidFill>
+              </a:rPr>
+              <a:t> </a:t>
+            </a:r>
+            <a:r>
+              <a:rPr lang="hu-HU" dirty="0" smtClean="0">
+                <a:solidFill>
+                  <a:schemeClr val="tx1"/>
+                </a:solidFill>
+              </a:rPr>
+              <a:t>   </a:t>
+            </a:r>
+            <a:r>
+              <a:rPr lang="hu-HU" sz="1800" b="1" dirty="0" err="1" smtClean="0">
+                <a:solidFill>
+                  <a:schemeClr val="tx1"/>
+                </a:solidFill>
+              </a:rPr>
+              <a:t>Label</a:t>
+            </a:r>
+            <a:endParaRPr lang="hu-HU" sz="1800" b="1" dirty="0" smtClean="0">
+              <a:solidFill>
+                <a:schemeClr val="tx1"/>
+              </a:solidFill>
+            </a:endParaRPr>
+          </a:p>
+          <a:p>
+            <a:endParaRPr lang="hu-HU" sz="800" dirty="0" smtClean="0">
+              <a:solidFill>
+                <a:schemeClr val="tx1"/>
+              </a:solidFill>
+            </a:endParaRPr>
+          </a:p>
+          <a:p>
+            <a:pPr marL="285750" indent="-285750">
+              <a:buFont typeface="Wingdings" panose="05000000000000000000" pitchFamily="2" charset="2"/>
+              <a:buChar char="q"/>
+            </a:pPr>
+            <a:r>
+              <a:rPr lang="hu-HU" sz="1800" dirty="0" err="1" smtClean="0">
+                <a:solidFill>
+                  <a:schemeClr val="tx1"/>
+                </a:solidFill>
+              </a:rPr>
+              <a:t>Ammo</a:t>
+            </a:r>
+            <a:endParaRPr lang="hu-HU" sz="1800" dirty="0" smtClean="0">
+              <a:solidFill>
+                <a:schemeClr val="tx1"/>
+              </a:solidFill>
+            </a:endParaRPr>
+          </a:p>
+          <a:p>
+            <a:pPr marL="285750" indent="-285750">
+              <a:buFont typeface="Wingdings" panose="05000000000000000000" pitchFamily="2" charset="2"/>
+              <a:buChar char="q"/>
+            </a:pPr>
+            <a:r>
+              <a:rPr lang="hu-HU" sz="1800" dirty="0" err="1" smtClean="0">
+                <a:solidFill>
+                  <a:schemeClr val="tx1"/>
+                </a:solidFill>
+              </a:rPr>
+              <a:t>Kills</a:t>
+            </a:r>
+            <a:endParaRPr lang="hu-HU" sz="1800" dirty="0" smtClean="0">
+              <a:solidFill>
+                <a:schemeClr val="tx1"/>
+              </a:solidFill>
+            </a:endParaRPr>
+          </a:p>
+          <a:p>
+            <a:pPr marL="285750" indent="-285750">
+              <a:buFont typeface="Wingdings" panose="05000000000000000000" pitchFamily="2" charset="2"/>
+              <a:buChar char="q"/>
+            </a:pPr>
+            <a:r>
+              <a:rPr lang="hu-HU" sz="1800" dirty="0" err="1" smtClean="0">
+                <a:solidFill>
+                  <a:schemeClr val="tx1"/>
+                </a:solidFill>
+              </a:rPr>
+              <a:t>Score</a:t>
+            </a:r>
+            <a:endParaRPr lang="hu-HU" sz="1800" dirty="0" smtClean="0">
+              <a:solidFill>
+                <a:schemeClr val="tx1"/>
+              </a:solidFill>
+            </a:endParaRPr>
+          </a:p>
+        </p:txBody>
+      </p:sp>
+      <p:sp>
+        <p:nvSpPr>
+          <p:cNvPr id="20" name="Szövegdoboz 19"/>
+          <p:cNvSpPr txBox="1"/>
+          <p:nvPr/>
+        </p:nvSpPr>
+        <p:spPr>
+          <a:xfrm>
+            <a:off x="7342909" y="1900045"/>
+            <a:ext cx="1614057" cy="646331"/>
+          </a:xfrm>
+          <a:prstGeom prst="rect">
+            <a:avLst/>
+          </a:prstGeom>
+          <a:noFill/>
+        </p:spPr>
+        <p:txBody>
+          <a:bodyPr wrap="square" rtlCol="0">
+            <a:spAutoFit/>
+          </a:bodyPr>
+          <a:lstStyle/>
+          <a:p>
+            <a:r>
+              <a:rPr lang="hu-HU" sz="1800" b="1" dirty="0" err="1" smtClean="0">
+                <a:solidFill>
+                  <a:schemeClr val="tx1"/>
+                </a:solidFill>
+              </a:rPr>
+              <a:t>ProgressBar</a:t>
+            </a:r>
+            <a:endParaRPr lang="hu-HU" sz="1800" b="1" dirty="0" smtClean="0">
+              <a:solidFill>
+                <a:schemeClr val="tx1"/>
+              </a:solidFill>
+            </a:endParaRPr>
+          </a:p>
+          <a:p>
+            <a:r>
+              <a:rPr lang="hu-HU" sz="1800" dirty="0" smtClean="0">
+                <a:solidFill>
+                  <a:schemeClr val="tx1"/>
+                </a:solidFill>
+              </a:rPr>
+              <a:t>(</a:t>
+            </a:r>
+            <a:r>
+              <a:rPr lang="hu-HU" sz="1800" dirty="0" smtClean="0">
+                <a:solidFill>
+                  <a:schemeClr val="tx1"/>
+                </a:solidFill>
+              </a:rPr>
+              <a:t>Health</a:t>
+            </a:r>
+            <a:r>
+              <a:rPr lang="hu-HU" sz="1800" dirty="0" smtClean="0">
+                <a:solidFill>
+                  <a:schemeClr val="tx1"/>
+                </a:solidFill>
+              </a:rPr>
+              <a:t>)</a:t>
+            </a:r>
+            <a:endParaRPr lang="hu-HU" sz="1800" dirty="0">
+              <a:solidFill>
+                <a:schemeClr val="tx1"/>
+              </a:solidFill>
+            </a:endParaRPr>
+          </a:p>
+        </p:txBody>
+      </p:sp>
+      <p:sp>
+        <p:nvSpPr>
+          <p:cNvPr id="27" name="Szövegdoboz 26"/>
+          <p:cNvSpPr txBox="1"/>
+          <p:nvPr/>
+        </p:nvSpPr>
+        <p:spPr>
+          <a:xfrm>
+            <a:off x="5848214" y="537691"/>
+            <a:ext cx="1787236" cy="646331"/>
+          </a:xfrm>
+          <a:prstGeom prst="rect">
+            <a:avLst/>
+          </a:prstGeom>
+          <a:noFill/>
+        </p:spPr>
+        <p:txBody>
+          <a:bodyPr wrap="square" rtlCol="0">
+            <a:spAutoFit/>
+          </a:bodyPr>
+          <a:lstStyle/>
+          <a:p>
+            <a:r>
+              <a:rPr lang="hu-HU" sz="1800" b="1" dirty="0" err="1" smtClean="0">
+                <a:solidFill>
+                  <a:schemeClr val="tx1"/>
+                </a:solidFill>
+              </a:rPr>
+              <a:t>Timer</a:t>
+            </a:r>
+            <a:endParaRPr lang="hu-HU" sz="1800" b="1" dirty="0" smtClean="0">
+              <a:solidFill>
+                <a:schemeClr val="tx1"/>
+              </a:solidFill>
+            </a:endParaRPr>
+          </a:p>
+          <a:p>
+            <a:r>
+              <a:rPr lang="hu-HU" sz="1800" dirty="0" smtClean="0">
+                <a:solidFill>
+                  <a:schemeClr val="tx1"/>
+                </a:solidFill>
+              </a:rPr>
+              <a:t>(Time</a:t>
+            </a:r>
+            <a:r>
+              <a:rPr lang="hu-HU" sz="1800" dirty="0" smtClean="0">
+                <a:solidFill>
+                  <a:schemeClr val="tx1"/>
+                </a:solidFill>
+              </a:rPr>
+              <a:t>)</a:t>
+            </a:r>
+            <a:endParaRPr lang="hu-HU" sz="1800" dirty="0">
+              <a:solidFill>
+                <a:schemeClr val="tx1"/>
+              </a:solidFill>
+            </a:endParaRPr>
+          </a:p>
+        </p:txBody>
+      </p:sp>
+      <p:sp>
+        <p:nvSpPr>
+          <p:cNvPr id="34" name="Szövegdoboz 33"/>
+          <p:cNvSpPr txBox="1"/>
+          <p:nvPr/>
+        </p:nvSpPr>
+        <p:spPr>
+          <a:xfrm>
+            <a:off x="7183583" y="3176755"/>
+            <a:ext cx="1579419" cy="1323439"/>
+          </a:xfrm>
+          <a:prstGeom prst="rect">
+            <a:avLst/>
+          </a:prstGeom>
+          <a:noFill/>
+        </p:spPr>
+        <p:txBody>
+          <a:bodyPr wrap="square" rtlCol="0">
+            <a:spAutoFit/>
+          </a:bodyPr>
+          <a:lstStyle/>
+          <a:p>
+            <a:r>
+              <a:rPr lang="hu-HU" sz="1800" b="1" dirty="0" err="1" smtClean="0">
+                <a:solidFill>
+                  <a:schemeClr val="tx1"/>
+                </a:solidFill>
+              </a:rPr>
+              <a:t>PictureBox</a:t>
+            </a:r>
+            <a:endParaRPr lang="hu-HU" sz="1800" b="1" dirty="0" smtClean="0">
+              <a:solidFill>
+                <a:schemeClr val="tx1"/>
+              </a:solidFill>
+            </a:endParaRPr>
+          </a:p>
+          <a:p>
+            <a:endParaRPr lang="hu-HU" sz="800" dirty="0" smtClean="0">
+              <a:solidFill>
+                <a:schemeClr val="tx1"/>
+              </a:solidFill>
+            </a:endParaRPr>
+          </a:p>
+          <a:p>
+            <a:pPr marL="285750" indent="-285750">
+              <a:buFont typeface="Wingdings" panose="05000000000000000000" pitchFamily="2" charset="2"/>
+              <a:buChar char="q"/>
+            </a:pPr>
+            <a:r>
+              <a:rPr lang="hu-HU" sz="1800" dirty="0" err="1" smtClean="0">
+                <a:solidFill>
+                  <a:schemeClr val="tx1"/>
+                </a:solidFill>
+              </a:rPr>
+              <a:t>Player</a:t>
+            </a:r>
+            <a:endParaRPr lang="hu-HU" sz="1800" dirty="0" smtClean="0">
+              <a:solidFill>
+                <a:schemeClr val="tx1"/>
+              </a:solidFill>
+            </a:endParaRPr>
+          </a:p>
+          <a:p>
+            <a:pPr marL="285750" indent="-285750">
+              <a:buFont typeface="Wingdings" panose="05000000000000000000" pitchFamily="2" charset="2"/>
+              <a:buChar char="q"/>
+            </a:pPr>
+            <a:r>
+              <a:rPr lang="hu-HU" sz="1800" dirty="0" err="1" smtClean="0">
+                <a:solidFill>
+                  <a:schemeClr val="tx1"/>
+                </a:solidFill>
+              </a:rPr>
+              <a:t>Zombie</a:t>
+            </a:r>
+            <a:endParaRPr lang="hu-HU" sz="1800" dirty="0" smtClean="0">
+              <a:solidFill>
+                <a:schemeClr val="tx1"/>
+              </a:solidFill>
+            </a:endParaRPr>
+          </a:p>
+          <a:p>
+            <a:pPr marL="285750" indent="-285750">
+              <a:buFont typeface="Wingdings" panose="05000000000000000000" pitchFamily="2" charset="2"/>
+              <a:buChar char="q"/>
+            </a:pPr>
+            <a:r>
+              <a:rPr lang="hu-HU" sz="1800" dirty="0" err="1" smtClean="0">
+                <a:solidFill>
+                  <a:schemeClr val="tx1"/>
+                </a:solidFill>
+              </a:rPr>
+              <a:t>Ammo</a:t>
+            </a:r>
+            <a:endParaRPr lang="hu-HU" sz="1800" dirty="0" smtClean="0">
+              <a:solidFill>
+                <a:schemeClr val="tx1"/>
+              </a:solidFill>
+            </a:endParaRPr>
+          </a:p>
+        </p:txBody>
+      </p:sp>
+      <p:grpSp>
+        <p:nvGrpSpPr>
+          <p:cNvPr id="36" name="Google Shape;1759;p68"/>
+          <p:cNvGrpSpPr/>
+          <p:nvPr/>
+        </p:nvGrpSpPr>
+        <p:grpSpPr>
+          <a:xfrm>
+            <a:off x="8149937" y="254743"/>
+            <a:ext cx="636237" cy="886742"/>
+            <a:chOff x="1927825" y="238125"/>
+            <a:chExt cx="3744775" cy="5219200"/>
+          </a:xfrm>
+        </p:grpSpPr>
+        <p:sp>
+          <p:nvSpPr>
+            <p:cNvPr id="37" name="Google Shape;1760;p68"/>
+            <p:cNvSpPr/>
+            <p:nvPr/>
+          </p:nvSpPr>
+          <p:spPr>
+            <a:xfrm>
+              <a:off x="2268700" y="975325"/>
+              <a:ext cx="3063025" cy="3744775"/>
+            </a:xfrm>
+            <a:custGeom>
+              <a:avLst/>
+              <a:gdLst/>
+              <a:ahLst/>
+              <a:cxnLst/>
+              <a:rect l="l" t="t" r="r" b="b"/>
+              <a:pathLst>
+                <a:path w="122521" h="149791" extrusionOk="0">
+                  <a:moveTo>
+                    <a:pt x="6785" y="0"/>
+                  </a:moveTo>
+                  <a:cubicBezTo>
+                    <a:pt x="3034" y="0"/>
+                    <a:pt x="0" y="3067"/>
+                    <a:pt x="0" y="6818"/>
+                  </a:cubicBezTo>
+                  <a:lnTo>
+                    <a:pt x="0" y="20420"/>
+                  </a:lnTo>
+                  <a:cubicBezTo>
+                    <a:pt x="0" y="34316"/>
+                    <a:pt x="4535" y="47397"/>
+                    <a:pt x="13048" y="58227"/>
+                  </a:cubicBezTo>
+                  <a:cubicBezTo>
+                    <a:pt x="15691" y="61587"/>
+                    <a:pt x="19768" y="65240"/>
+                    <a:pt x="25574" y="69318"/>
+                  </a:cubicBezTo>
+                  <a:cubicBezTo>
+                    <a:pt x="29391" y="72025"/>
+                    <a:pt x="29456" y="77701"/>
+                    <a:pt x="25574" y="80474"/>
+                  </a:cubicBezTo>
+                  <a:cubicBezTo>
+                    <a:pt x="19768" y="84551"/>
+                    <a:pt x="15691" y="88204"/>
+                    <a:pt x="13048" y="91564"/>
+                  </a:cubicBezTo>
+                  <a:cubicBezTo>
+                    <a:pt x="4535" y="102394"/>
+                    <a:pt x="0" y="115475"/>
+                    <a:pt x="0" y="129371"/>
+                  </a:cubicBezTo>
+                  <a:lnTo>
+                    <a:pt x="0" y="142973"/>
+                  </a:lnTo>
+                  <a:cubicBezTo>
+                    <a:pt x="0" y="146725"/>
+                    <a:pt x="3034" y="149791"/>
+                    <a:pt x="6785" y="149791"/>
+                  </a:cubicBezTo>
+                  <a:lnTo>
+                    <a:pt x="115736" y="149791"/>
+                  </a:lnTo>
+                  <a:cubicBezTo>
+                    <a:pt x="119487" y="149791"/>
+                    <a:pt x="122521" y="146725"/>
+                    <a:pt x="122521" y="142973"/>
+                  </a:cubicBezTo>
+                  <a:lnTo>
+                    <a:pt x="122521" y="129371"/>
+                  </a:lnTo>
+                  <a:cubicBezTo>
+                    <a:pt x="122521" y="115475"/>
+                    <a:pt x="117987" y="102394"/>
+                    <a:pt x="109473" y="91564"/>
+                  </a:cubicBezTo>
+                  <a:cubicBezTo>
+                    <a:pt x="106831" y="88204"/>
+                    <a:pt x="102753" y="84551"/>
+                    <a:pt x="96947" y="80474"/>
+                  </a:cubicBezTo>
+                  <a:cubicBezTo>
+                    <a:pt x="93130" y="77766"/>
+                    <a:pt x="93065" y="72090"/>
+                    <a:pt x="96947" y="69318"/>
+                  </a:cubicBezTo>
+                  <a:cubicBezTo>
+                    <a:pt x="102753" y="65240"/>
+                    <a:pt x="106831" y="61587"/>
+                    <a:pt x="109473" y="58227"/>
+                  </a:cubicBezTo>
+                  <a:cubicBezTo>
+                    <a:pt x="117987" y="47397"/>
+                    <a:pt x="122521" y="34316"/>
+                    <a:pt x="122521" y="20420"/>
+                  </a:cubicBezTo>
+                  <a:lnTo>
+                    <a:pt x="122521" y="6818"/>
+                  </a:lnTo>
+                  <a:cubicBezTo>
+                    <a:pt x="122521" y="3067"/>
+                    <a:pt x="119487" y="0"/>
+                    <a:pt x="115736" y="0"/>
+                  </a:cubicBezTo>
+                  <a:close/>
+                </a:path>
+              </a:pathLst>
+            </a:custGeom>
+            <a:solidFill>
+              <a:schemeClr val="lt1"/>
+            </a:solidFill>
+            <a:ln>
+              <a:noFill/>
+            </a:ln>
+          </p:spPr>
+          <p:txBody>
+            <a:bodyPr spcFirstLastPara="1" wrap="square" lIns="91425" tIns="91425" rIns="91425" bIns="91425" anchor="ctr" anchorCtr="0">
+              <a:noAutofit/>
+            </a:bodyPr>
+            <a:lstStyle/>
+            <a:p>
+              <a:pPr marL="0" lvl="0" indent="0" algn="l" rtl="0">
+                <a:spcBef>
+                  <a:spcPts val="0"/>
+                </a:spcBef>
+                <a:spcAft>
+                  <a:spcPts val="0"/>
+                </a:spcAft>
+                <a:buNone/>
+              </a:pPr>
+              <a:endParaRPr/>
+            </a:p>
+          </p:txBody>
+        </p:sp>
+        <p:sp>
+          <p:nvSpPr>
+            <p:cNvPr id="38" name="Google Shape;1761;p68"/>
+            <p:cNvSpPr/>
+            <p:nvPr/>
+          </p:nvSpPr>
+          <p:spPr>
+            <a:xfrm>
+              <a:off x="3800200" y="975325"/>
+              <a:ext cx="1531525" cy="3744775"/>
+            </a:xfrm>
+            <a:custGeom>
+              <a:avLst/>
+              <a:gdLst/>
+              <a:ahLst/>
+              <a:cxnLst/>
+              <a:rect l="l" t="t" r="r" b="b"/>
+              <a:pathLst>
+                <a:path w="61261" h="149791" extrusionOk="0">
+                  <a:moveTo>
+                    <a:pt x="1" y="0"/>
+                  </a:moveTo>
+                  <a:lnTo>
+                    <a:pt x="1" y="149791"/>
+                  </a:lnTo>
+                  <a:lnTo>
+                    <a:pt x="54476" y="149791"/>
+                  </a:lnTo>
+                  <a:cubicBezTo>
+                    <a:pt x="58227" y="149791"/>
+                    <a:pt x="61261" y="146725"/>
+                    <a:pt x="61261" y="142973"/>
+                  </a:cubicBezTo>
+                  <a:lnTo>
+                    <a:pt x="61261" y="129371"/>
+                  </a:lnTo>
+                  <a:cubicBezTo>
+                    <a:pt x="61261" y="115475"/>
+                    <a:pt x="56727" y="102394"/>
+                    <a:pt x="48213" y="91564"/>
+                  </a:cubicBezTo>
+                  <a:cubicBezTo>
+                    <a:pt x="45571" y="88204"/>
+                    <a:pt x="41493" y="84551"/>
+                    <a:pt x="35687" y="80474"/>
+                  </a:cubicBezTo>
+                  <a:cubicBezTo>
+                    <a:pt x="31870" y="77766"/>
+                    <a:pt x="31805" y="72090"/>
+                    <a:pt x="35687" y="69318"/>
+                  </a:cubicBezTo>
+                  <a:cubicBezTo>
+                    <a:pt x="41493" y="65240"/>
+                    <a:pt x="45571" y="61587"/>
+                    <a:pt x="48213" y="58227"/>
+                  </a:cubicBezTo>
+                  <a:cubicBezTo>
+                    <a:pt x="56727" y="47397"/>
+                    <a:pt x="61261" y="34316"/>
+                    <a:pt x="61261" y="20420"/>
+                  </a:cubicBezTo>
+                  <a:lnTo>
+                    <a:pt x="61261" y="6818"/>
+                  </a:lnTo>
+                  <a:cubicBezTo>
+                    <a:pt x="61261" y="3067"/>
+                    <a:pt x="58227" y="0"/>
+                    <a:pt x="54476" y="0"/>
+                  </a:cubicBezTo>
+                  <a:close/>
+                </a:path>
+              </a:pathLst>
+            </a:custGeom>
+            <a:solidFill>
+              <a:schemeClr val="lt1"/>
+            </a:solidFill>
+            <a:ln>
+              <a:noFill/>
+            </a:ln>
+          </p:spPr>
+          <p:txBody>
+            <a:bodyPr spcFirstLastPara="1" wrap="square" lIns="91425" tIns="91425" rIns="91425" bIns="91425" anchor="ctr" anchorCtr="0">
+              <a:noAutofit/>
+            </a:bodyPr>
+            <a:lstStyle/>
+            <a:p>
+              <a:pPr marL="0" lvl="0" indent="0" algn="l" rtl="0">
+                <a:spcBef>
+                  <a:spcPts val="0"/>
+                </a:spcBef>
+                <a:spcAft>
+                  <a:spcPts val="0"/>
+                </a:spcAft>
+                <a:buNone/>
+              </a:pPr>
+              <a:endParaRPr/>
+            </a:p>
+          </p:txBody>
+        </p:sp>
+        <p:sp>
+          <p:nvSpPr>
+            <p:cNvPr id="39" name="Google Shape;1762;p68"/>
+            <p:cNvSpPr/>
+            <p:nvPr/>
+          </p:nvSpPr>
+          <p:spPr>
+            <a:xfrm>
+              <a:off x="2949650" y="3268500"/>
+              <a:ext cx="1701150" cy="1451600"/>
+            </a:xfrm>
+            <a:custGeom>
+              <a:avLst/>
+              <a:gdLst/>
+              <a:ahLst/>
+              <a:cxnLst/>
+              <a:rect l="l" t="t" r="r" b="b"/>
+              <a:pathLst>
+                <a:path w="68046" h="58064" extrusionOk="0">
+                  <a:moveTo>
+                    <a:pt x="34023" y="0"/>
+                  </a:moveTo>
+                  <a:cubicBezTo>
+                    <a:pt x="31152" y="0"/>
+                    <a:pt x="28314" y="1697"/>
+                    <a:pt x="27433" y="5089"/>
+                  </a:cubicBezTo>
+                  <a:cubicBezTo>
+                    <a:pt x="24661" y="16017"/>
+                    <a:pt x="19539" y="20029"/>
+                    <a:pt x="14157" y="24302"/>
+                  </a:cubicBezTo>
+                  <a:cubicBezTo>
+                    <a:pt x="7503" y="29521"/>
+                    <a:pt x="0" y="35458"/>
+                    <a:pt x="0" y="51246"/>
+                  </a:cubicBezTo>
+                  <a:cubicBezTo>
+                    <a:pt x="0" y="54998"/>
+                    <a:pt x="3034" y="58064"/>
+                    <a:pt x="6785" y="58064"/>
+                  </a:cubicBezTo>
+                  <a:lnTo>
+                    <a:pt x="61260" y="58064"/>
+                  </a:lnTo>
+                  <a:cubicBezTo>
+                    <a:pt x="65011" y="58064"/>
+                    <a:pt x="68045" y="54998"/>
+                    <a:pt x="68045" y="51246"/>
+                  </a:cubicBezTo>
+                  <a:cubicBezTo>
+                    <a:pt x="68045" y="35458"/>
+                    <a:pt x="60543" y="29521"/>
+                    <a:pt x="53888" y="24302"/>
+                  </a:cubicBezTo>
+                  <a:cubicBezTo>
+                    <a:pt x="48506" y="20029"/>
+                    <a:pt x="43384" y="16017"/>
+                    <a:pt x="40612" y="5089"/>
+                  </a:cubicBezTo>
+                  <a:cubicBezTo>
+                    <a:pt x="39731" y="1697"/>
+                    <a:pt x="36893" y="0"/>
+                    <a:pt x="34023" y="0"/>
+                  </a:cubicBezTo>
+                  <a:close/>
+                </a:path>
+              </a:pathLst>
+            </a:custGeom>
+            <a:solidFill>
+              <a:schemeClr val="lt2"/>
+            </a:solidFill>
+            <a:ln>
+              <a:noFill/>
+            </a:ln>
+          </p:spPr>
+          <p:txBody>
+            <a:bodyPr spcFirstLastPara="1" wrap="square" lIns="91425" tIns="91425" rIns="91425" bIns="91425" anchor="ctr" anchorCtr="0">
+              <a:noAutofit/>
+            </a:bodyPr>
+            <a:lstStyle/>
+            <a:p>
+              <a:pPr marL="0" lvl="0" indent="0" algn="l" rtl="0">
+                <a:spcBef>
+                  <a:spcPts val="0"/>
+                </a:spcBef>
+                <a:spcAft>
+                  <a:spcPts val="0"/>
+                </a:spcAft>
+                <a:buNone/>
+              </a:pPr>
+              <a:endParaRPr/>
+            </a:p>
+          </p:txBody>
+        </p:sp>
+        <p:sp>
+          <p:nvSpPr>
+            <p:cNvPr id="40" name="Google Shape;1763;p68"/>
+            <p:cNvSpPr/>
+            <p:nvPr/>
+          </p:nvSpPr>
+          <p:spPr>
+            <a:xfrm>
+              <a:off x="3800200" y="3268500"/>
+              <a:ext cx="850600" cy="1451600"/>
+            </a:xfrm>
+            <a:custGeom>
+              <a:avLst/>
+              <a:gdLst/>
+              <a:ahLst/>
+              <a:cxnLst/>
+              <a:rect l="l" t="t" r="r" b="b"/>
+              <a:pathLst>
+                <a:path w="34024" h="58064" extrusionOk="0">
+                  <a:moveTo>
+                    <a:pt x="1" y="0"/>
+                  </a:moveTo>
+                  <a:lnTo>
+                    <a:pt x="1" y="58064"/>
+                  </a:lnTo>
+                  <a:lnTo>
+                    <a:pt x="27238" y="58064"/>
+                  </a:lnTo>
+                  <a:cubicBezTo>
+                    <a:pt x="30989" y="58064"/>
+                    <a:pt x="34023" y="54998"/>
+                    <a:pt x="34023" y="51246"/>
+                  </a:cubicBezTo>
+                  <a:cubicBezTo>
+                    <a:pt x="34023" y="35458"/>
+                    <a:pt x="26521" y="29521"/>
+                    <a:pt x="19866" y="24302"/>
+                  </a:cubicBezTo>
+                  <a:cubicBezTo>
+                    <a:pt x="14484" y="20029"/>
+                    <a:pt x="9362" y="16017"/>
+                    <a:pt x="6590" y="5089"/>
+                  </a:cubicBezTo>
+                  <a:cubicBezTo>
+                    <a:pt x="5709" y="1697"/>
+                    <a:pt x="2871" y="0"/>
+                    <a:pt x="1" y="0"/>
+                  </a:cubicBezTo>
+                  <a:close/>
+                </a:path>
+              </a:pathLst>
+            </a:custGeom>
+            <a:solidFill>
+              <a:schemeClr val="accent1"/>
+            </a:solidFill>
+            <a:ln>
+              <a:noFill/>
+            </a:ln>
+          </p:spPr>
+          <p:txBody>
+            <a:bodyPr spcFirstLastPara="1" wrap="square" lIns="91425" tIns="91425" rIns="91425" bIns="91425" anchor="ctr" anchorCtr="0">
+              <a:noAutofit/>
+            </a:bodyPr>
+            <a:lstStyle/>
+            <a:p>
+              <a:pPr marL="0" lvl="0" indent="0" algn="l" rtl="0">
+                <a:spcBef>
+                  <a:spcPts val="0"/>
+                </a:spcBef>
+                <a:spcAft>
+                  <a:spcPts val="0"/>
+                </a:spcAft>
+                <a:buNone/>
+              </a:pPr>
+              <a:endParaRPr/>
+            </a:p>
+          </p:txBody>
+        </p:sp>
+        <p:sp>
+          <p:nvSpPr>
+            <p:cNvPr id="41" name="Google Shape;1764;p68"/>
+            <p:cNvSpPr/>
+            <p:nvPr/>
+          </p:nvSpPr>
+          <p:spPr>
+            <a:xfrm>
+              <a:off x="1927825" y="238125"/>
+              <a:ext cx="3744775" cy="1078100"/>
+            </a:xfrm>
+            <a:custGeom>
+              <a:avLst/>
+              <a:gdLst/>
+              <a:ahLst/>
+              <a:cxnLst/>
+              <a:rect l="l" t="t" r="r" b="b"/>
+              <a:pathLst>
+                <a:path w="149791" h="43124" extrusionOk="0">
+                  <a:moveTo>
+                    <a:pt x="6818" y="0"/>
+                  </a:moveTo>
+                  <a:cubicBezTo>
+                    <a:pt x="3067" y="0"/>
+                    <a:pt x="0" y="3034"/>
+                    <a:pt x="0" y="6818"/>
+                  </a:cubicBezTo>
+                  <a:lnTo>
+                    <a:pt x="0" y="22703"/>
+                  </a:lnTo>
+                  <a:cubicBezTo>
+                    <a:pt x="0" y="33957"/>
+                    <a:pt x="9167" y="43123"/>
+                    <a:pt x="20420" y="43123"/>
+                  </a:cubicBezTo>
+                  <a:lnTo>
+                    <a:pt x="129371" y="43123"/>
+                  </a:lnTo>
+                  <a:cubicBezTo>
+                    <a:pt x="140625" y="43123"/>
+                    <a:pt x="149791" y="33957"/>
+                    <a:pt x="149791" y="22703"/>
+                  </a:cubicBezTo>
+                  <a:lnTo>
+                    <a:pt x="149791" y="6818"/>
+                  </a:lnTo>
+                  <a:cubicBezTo>
+                    <a:pt x="149791" y="3034"/>
+                    <a:pt x="146725" y="0"/>
+                    <a:pt x="142973" y="0"/>
+                  </a:cubicBezTo>
+                  <a:close/>
+                </a:path>
+              </a:pathLst>
+            </a:custGeom>
+            <a:solidFill>
+              <a:schemeClr val="accent2"/>
+            </a:solidFill>
+            <a:ln>
+              <a:noFill/>
+            </a:ln>
+          </p:spPr>
+          <p:txBody>
+            <a:bodyPr spcFirstLastPara="1" wrap="square" lIns="91425" tIns="91425" rIns="91425" bIns="91425" anchor="ctr" anchorCtr="0">
+              <a:noAutofit/>
+            </a:bodyPr>
+            <a:lstStyle/>
+            <a:p>
+              <a:pPr marL="0" lvl="0" indent="0" algn="l" rtl="0">
+                <a:spcBef>
+                  <a:spcPts val="0"/>
+                </a:spcBef>
+                <a:spcAft>
+                  <a:spcPts val="0"/>
+                </a:spcAft>
+                <a:buNone/>
+              </a:pPr>
+              <a:endParaRPr/>
+            </a:p>
+          </p:txBody>
+        </p:sp>
+        <p:sp>
+          <p:nvSpPr>
+            <p:cNvPr id="42" name="Google Shape;1765;p68"/>
+            <p:cNvSpPr/>
+            <p:nvPr/>
+          </p:nvSpPr>
+          <p:spPr>
+            <a:xfrm>
+              <a:off x="3800200" y="238125"/>
+              <a:ext cx="1872400" cy="1078100"/>
+            </a:xfrm>
+            <a:custGeom>
+              <a:avLst/>
+              <a:gdLst/>
+              <a:ahLst/>
+              <a:cxnLst/>
+              <a:rect l="l" t="t" r="r" b="b"/>
+              <a:pathLst>
+                <a:path w="74896" h="43124" extrusionOk="0">
+                  <a:moveTo>
+                    <a:pt x="1" y="0"/>
+                  </a:moveTo>
+                  <a:lnTo>
+                    <a:pt x="1" y="43123"/>
+                  </a:lnTo>
+                  <a:lnTo>
+                    <a:pt x="54476" y="43123"/>
+                  </a:lnTo>
+                  <a:cubicBezTo>
+                    <a:pt x="65730" y="43123"/>
+                    <a:pt x="74896" y="33957"/>
+                    <a:pt x="74896" y="22703"/>
+                  </a:cubicBezTo>
+                  <a:lnTo>
+                    <a:pt x="74896" y="6818"/>
+                  </a:lnTo>
+                  <a:cubicBezTo>
+                    <a:pt x="74896" y="3034"/>
+                    <a:pt x="71830" y="0"/>
+                    <a:pt x="68078" y="0"/>
+                  </a:cubicBezTo>
+                  <a:close/>
+                </a:path>
+              </a:pathLst>
+            </a:custGeom>
+            <a:solidFill>
+              <a:schemeClr val="accent3"/>
+            </a:solidFill>
+            <a:ln>
+              <a:noFill/>
+            </a:ln>
+          </p:spPr>
+          <p:txBody>
+            <a:bodyPr spcFirstLastPara="1" wrap="square" lIns="91425" tIns="91425" rIns="91425" bIns="91425" anchor="ctr" anchorCtr="0">
+              <a:noAutofit/>
+            </a:bodyPr>
+            <a:lstStyle/>
+            <a:p>
+              <a:pPr marL="0" lvl="0" indent="0" algn="l" rtl="0">
+                <a:spcBef>
+                  <a:spcPts val="0"/>
+                </a:spcBef>
+                <a:spcAft>
+                  <a:spcPts val="0"/>
+                </a:spcAft>
+                <a:buNone/>
+              </a:pPr>
+              <a:endParaRPr/>
+            </a:p>
+          </p:txBody>
+        </p:sp>
+        <p:sp>
+          <p:nvSpPr>
+            <p:cNvPr id="43" name="Google Shape;1766;p68"/>
+            <p:cNvSpPr/>
+            <p:nvPr/>
+          </p:nvSpPr>
+          <p:spPr>
+            <a:xfrm>
+              <a:off x="1927825" y="4379200"/>
+              <a:ext cx="3744775" cy="1078125"/>
+            </a:xfrm>
+            <a:custGeom>
+              <a:avLst/>
+              <a:gdLst/>
+              <a:ahLst/>
+              <a:cxnLst/>
+              <a:rect l="l" t="t" r="r" b="b"/>
+              <a:pathLst>
+                <a:path w="149791" h="43125" extrusionOk="0">
+                  <a:moveTo>
+                    <a:pt x="20420" y="1"/>
+                  </a:moveTo>
+                  <a:cubicBezTo>
+                    <a:pt x="9167" y="1"/>
+                    <a:pt x="0" y="9167"/>
+                    <a:pt x="0" y="20421"/>
+                  </a:cubicBezTo>
+                  <a:lnTo>
+                    <a:pt x="0" y="36307"/>
+                  </a:lnTo>
+                  <a:cubicBezTo>
+                    <a:pt x="0" y="40090"/>
+                    <a:pt x="3067" y="43124"/>
+                    <a:pt x="6818" y="43124"/>
+                  </a:cubicBezTo>
+                  <a:lnTo>
+                    <a:pt x="142973" y="43124"/>
+                  </a:lnTo>
+                  <a:cubicBezTo>
+                    <a:pt x="146725" y="43124"/>
+                    <a:pt x="149791" y="40090"/>
+                    <a:pt x="149791" y="36307"/>
+                  </a:cubicBezTo>
+                  <a:lnTo>
+                    <a:pt x="149791" y="20421"/>
+                  </a:lnTo>
+                  <a:cubicBezTo>
+                    <a:pt x="149791" y="9167"/>
+                    <a:pt x="140625" y="1"/>
+                    <a:pt x="129371" y="1"/>
+                  </a:cubicBezTo>
+                  <a:close/>
+                </a:path>
+              </a:pathLst>
+            </a:custGeom>
+            <a:solidFill>
+              <a:schemeClr val="accent2"/>
+            </a:solidFill>
+            <a:ln>
+              <a:noFill/>
+            </a:ln>
+          </p:spPr>
+          <p:txBody>
+            <a:bodyPr spcFirstLastPara="1" wrap="square" lIns="91425" tIns="91425" rIns="91425" bIns="91425" anchor="ctr" anchorCtr="0">
+              <a:noAutofit/>
+            </a:bodyPr>
+            <a:lstStyle/>
+            <a:p>
+              <a:pPr marL="0" lvl="0" indent="0" algn="l" rtl="0">
+                <a:spcBef>
+                  <a:spcPts val="0"/>
+                </a:spcBef>
+                <a:spcAft>
+                  <a:spcPts val="0"/>
+                </a:spcAft>
+                <a:buNone/>
+              </a:pPr>
+              <a:endParaRPr/>
+            </a:p>
+          </p:txBody>
+        </p:sp>
+        <p:sp>
+          <p:nvSpPr>
+            <p:cNvPr id="44" name="Google Shape;1767;p68"/>
+            <p:cNvSpPr/>
+            <p:nvPr/>
+          </p:nvSpPr>
+          <p:spPr>
+            <a:xfrm>
+              <a:off x="3800200" y="4379200"/>
+              <a:ext cx="1872400" cy="1078125"/>
+            </a:xfrm>
+            <a:custGeom>
+              <a:avLst/>
+              <a:gdLst/>
+              <a:ahLst/>
+              <a:cxnLst/>
+              <a:rect l="l" t="t" r="r" b="b"/>
+              <a:pathLst>
+                <a:path w="74896" h="43125" extrusionOk="0">
+                  <a:moveTo>
+                    <a:pt x="1" y="1"/>
+                  </a:moveTo>
+                  <a:lnTo>
+                    <a:pt x="1" y="43124"/>
+                  </a:lnTo>
+                  <a:lnTo>
+                    <a:pt x="68078" y="43124"/>
+                  </a:lnTo>
+                  <a:cubicBezTo>
+                    <a:pt x="71830" y="43124"/>
+                    <a:pt x="74896" y="40090"/>
+                    <a:pt x="74896" y="36307"/>
+                  </a:cubicBezTo>
+                  <a:lnTo>
+                    <a:pt x="74896" y="20421"/>
+                  </a:lnTo>
+                  <a:cubicBezTo>
+                    <a:pt x="74896" y="9167"/>
+                    <a:pt x="65730" y="1"/>
+                    <a:pt x="54476" y="1"/>
+                  </a:cubicBezTo>
+                  <a:close/>
+                </a:path>
+              </a:pathLst>
+            </a:custGeom>
+            <a:solidFill>
+              <a:schemeClr val="accent3"/>
+            </a:solidFill>
+            <a:ln>
+              <a:noFill/>
+            </a:ln>
+          </p:spPr>
+          <p:txBody>
+            <a:bodyPr spcFirstLastPara="1" wrap="square" lIns="91425" tIns="91425" rIns="91425" bIns="91425" anchor="ctr" anchorCtr="0">
+              <a:noAutofit/>
+            </a:bodyPr>
+            <a:lstStyle/>
+            <a:p>
+              <a:pPr marL="0" lvl="0" indent="0" algn="l" rtl="0">
+                <a:spcBef>
+                  <a:spcPts val="0"/>
+                </a:spcBef>
+                <a:spcAft>
+                  <a:spcPts val="0"/>
+                </a:spcAft>
+                <a:buNone/>
+              </a:pPr>
+              <a:endParaRPr/>
+            </a:p>
+          </p:txBody>
+        </p:sp>
+        <p:sp>
+          <p:nvSpPr>
+            <p:cNvPr id="45" name="Google Shape;1768;p68"/>
+            <p:cNvSpPr/>
+            <p:nvPr/>
+          </p:nvSpPr>
+          <p:spPr>
+            <a:xfrm>
+              <a:off x="2997750" y="1656250"/>
+              <a:ext cx="1604925" cy="1110750"/>
+            </a:xfrm>
+            <a:custGeom>
+              <a:avLst/>
+              <a:gdLst/>
+              <a:ahLst/>
+              <a:cxnLst/>
+              <a:rect l="l" t="t" r="r" b="b"/>
+              <a:pathLst>
+                <a:path w="64197" h="44430" extrusionOk="0">
+                  <a:moveTo>
+                    <a:pt x="8514" y="1"/>
+                  </a:moveTo>
+                  <a:cubicBezTo>
+                    <a:pt x="3295" y="1"/>
+                    <a:pt x="1" y="5677"/>
+                    <a:pt x="2610" y="10211"/>
+                  </a:cubicBezTo>
+                  <a:cubicBezTo>
+                    <a:pt x="6492" y="16963"/>
+                    <a:pt x="10994" y="20030"/>
+                    <a:pt x="14614" y="22411"/>
+                  </a:cubicBezTo>
+                  <a:cubicBezTo>
+                    <a:pt x="19246" y="25542"/>
+                    <a:pt x="22574" y="27826"/>
+                    <a:pt x="25509" y="39341"/>
+                  </a:cubicBezTo>
+                  <a:cubicBezTo>
+                    <a:pt x="26390" y="42766"/>
+                    <a:pt x="29228" y="44429"/>
+                    <a:pt x="32099" y="44429"/>
+                  </a:cubicBezTo>
+                  <a:cubicBezTo>
+                    <a:pt x="35002" y="44429"/>
+                    <a:pt x="37872" y="42766"/>
+                    <a:pt x="38720" y="39308"/>
+                  </a:cubicBezTo>
+                  <a:cubicBezTo>
+                    <a:pt x="41624" y="27793"/>
+                    <a:pt x="44983" y="25542"/>
+                    <a:pt x="49615" y="22411"/>
+                  </a:cubicBezTo>
+                  <a:cubicBezTo>
+                    <a:pt x="53204" y="20030"/>
+                    <a:pt x="57705" y="16963"/>
+                    <a:pt x="61587" y="10211"/>
+                  </a:cubicBezTo>
+                  <a:cubicBezTo>
+                    <a:pt x="64197" y="5677"/>
+                    <a:pt x="60902" y="1"/>
+                    <a:pt x="55683" y="1"/>
+                  </a:cubicBezTo>
+                  <a:close/>
+                </a:path>
+              </a:pathLst>
+            </a:custGeom>
+            <a:solidFill>
+              <a:schemeClr val="lt2"/>
+            </a:solidFill>
+            <a:ln>
+              <a:noFill/>
+            </a:ln>
+          </p:spPr>
+          <p:txBody>
+            <a:bodyPr spcFirstLastPara="1" wrap="square" lIns="91425" tIns="91425" rIns="91425" bIns="91425" anchor="ctr" anchorCtr="0">
+              <a:noAutofit/>
+            </a:bodyPr>
+            <a:lstStyle/>
+            <a:p>
+              <a:pPr marL="0" lvl="0" indent="0" algn="l" rtl="0">
+                <a:spcBef>
+                  <a:spcPts val="0"/>
+                </a:spcBef>
+                <a:spcAft>
+                  <a:spcPts val="0"/>
+                </a:spcAft>
+                <a:buNone/>
+              </a:pPr>
+              <a:endParaRPr/>
+            </a:p>
+          </p:txBody>
+        </p:sp>
+        <p:sp>
+          <p:nvSpPr>
+            <p:cNvPr id="46" name="Google Shape;1769;p68"/>
+            <p:cNvSpPr/>
+            <p:nvPr/>
+          </p:nvSpPr>
+          <p:spPr>
+            <a:xfrm>
+              <a:off x="3800200" y="1656250"/>
+              <a:ext cx="802475" cy="1110750"/>
+            </a:xfrm>
+            <a:custGeom>
+              <a:avLst/>
+              <a:gdLst/>
+              <a:ahLst/>
+              <a:cxnLst/>
+              <a:rect l="l" t="t" r="r" b="b"/>
+              <a:pathLst>
+                <a:path w="32099" h="44430" extrusionOk="0">
+                  <a:moveTo>
+                    <a:pt x="1" y="1"/>
+                  </a:moveTo>
+                  <a:lnTo>
+                    <a:pt x="1" y="44429"/>
+                  </a:lnTo>
+                  <a:cubicBezTo>
+                    <a:pt x="2904" y="44429"/>
+                    <a:pt x="5774" y="42766"/>
+                    <a:pt x="6622" y="39308"/>
+                  </a:cubicBezTo>
+                  <a:cubicBezTo>
+                    <a:pt x="9526" y="27793"/>
+                    <a:pt x="12885" y="25542"/>
+                    <a:pt x="17517" y="22411"/>
+                  </a:cubicBezTo>
+                  <a:cubicBezTo>
+                    <a:pt x="21106" y="20030"/>
+                    <a:pt x="25607" y="16963"/>
+                    <a:pt x="29489" y="10211"/>
+                  </a:cubicBezTo>
+                  <a:cubicBezTo>
+                    <a:pt x="32099" y="5677"/>
+                    <a:pt x="28804" y="1"/>
+                    <a:pt x="23585" y="1"/>
+                  </a:cubicBezTo>
+                  <a:close/>
+                </a:path>
+              </a:pathLst>
+            </a:custGeom>
+            <a:solidFill>
+              <a:schemeClr val="accent1"/>
+            </a:solidFill>
+            <a:ln>
+              <a:noFill/>
+            </a:ln>
+          </p:spPr>
+          <p:txBody>
+            <a:bodyPr spcFirstLastPara="1" wrap="square" lIns="91425" tIns="91425" rIns="91425" bIns="91425" anchor="ctr" anchorCtr="0">
+              <a:noAutofit/>
+            </a:bodyPr>
+            <a:lstStyle/>
+            <a:p>
+              <a:pPr marL="0" lvl="0" indent="0" algn="l" rtl="0">
+                <a:spcBef>
+                  <a:spcPts val="0"/>
+                </a:spcBef>
+                <a:spcAft>
+                  <a:spcPts val="0"/>
+                </a:spcAft>
+                <a:buNone/>
+              </a:pPr>
+              <a:endParaRPr/>
+            </a:p>
+          </p:txBody>
+        </p:sp>
+      </p:grpSp>
+      <p:pic>
+        <p:nvPicPr>
+          <p:cNvPr id="6" name="Kép 5"/>
+          <p:cNvPicPr>
+            <a:picLocks noChangeAspect="1"/>
+          </p:cNvPicPr>
+          <p:nvPr/>
+        </p:nvPicPr>
+        <p:blipFill>
+          <a:blip r:embed="rId2">
+            <a:extLst>
+              <a:ext uri="{28A0092B-C50C-407E-A947-70E740481C1C}">
+                <a14:useLocalDpi xmlns:a14="http://schemas.microsoft.com/office/drawing/2010/main" val="0"/>
+              </a:ext>
+            </a:extLst>
+          </a:blip>
+          <a:stretch>
+            <a:fillRect/>
+          </a:stretch>
+        </p:blipFill>
+        <p:spPr>
+          <a:xfrm>
+            <a:off x="1699472" y="1559787"/>
+            <a:ext cx="5013055" cy="3411581"/>
+          </a:xfrm>
+          <a:prstGeom prst="rect">
+            <a:avLst/>
+          </a:prstGeom>
+        </p:spPr>
+      </p:pic>
+      <p:cxnSp>
+        <p:nvCxnSpPr>
+          <p:cNvPr id="9" name="Egyenes összekötő nyíllal 8"/>
+          <p:cNvCxnSpPr/>
+          <p:nvPr/>
+        </p:nvCxnSpPr>
+        <p:spPr>
+          <a:xfrm flipV="1">
+            <a:off x="1018309" y="2005246"/>
+            <a:ext cx="824343" cy="1171509"/>
+          </a:xfrm>
+          <a:prstGeom prst="straightConnector1">
+            <a:avLst/>
+          </a:prstGeom>
+          <a:ln>
+            <a:tailEnd type="triangle"/>
+          </a:ln>
+        </p:spPr>
+        <p:style>
+          <a:lnRef idx="3">
+            <a:schemeClr val="dk1"/>
+          </a:lnRef>
+          <a:fillRef idx="0">
+            <a:schemeClr val="dk1"/>
+          </a:fillRef>
+          <a:effectRef idx="2">
+            <a:schemeClr val="dk1"/>
+          </a:effectRef>
+          <a:fontRef idx="minor">
+            <a:schemeClr val="tx1"/>
+          </a:fontRef>
+        </p:style>
+      </p:cxnSp>
+      <p:cxnSp>
+        <p:nvCxnSpPr>
+          <p:cNvPr id="22" name="Egyenes összekötő nyíllal 21"/>
+          <p:cNvCxnSpPr/>
+          <p:nvPr/>
+        </p:nvCxnSpPr>
+        <p:spPr>
+          <a:xfrm flipH="1">
+            <a:off x="5080804" y="1087564"/>
+            <a:ext cx="637310" cy="704104"/>
+          </a:xfrm>
+          <a:prstGeom prst="straightConnector1">
+            <a:avLst/>
+          </a:prstGeom>
+          <a:ln>
+            <a:tailEnd type="triangle"/>
+          </a:ln>
+        </p:spPr>
+        <p:style>
+          <a:lnRef idx="3">
+            <a:schemeClr val="dk1"/>
+          </a:lnRef>
+          <a:fillRef idx="0">
+            <a:schemeClr val="dk1"/>
+          </a:fillRef>
+          <a:effectRef idx="2">
+            <a:schemeClr val="dk1"/>
+          </a:effectRef>
+          <a:fontRef idx="minor">
+            <a:schemeClr val="tx1"/>
+          </a:fontRef>
+        </p:style>
+      </p:cxnSp>
+      <p:cxnSp>
+        <p:nvCxnSpPr>
+          <p:cNvPr id="28" name="Egyenes összekötő nyíllal 27"/>
+          <p:cNvCxnSpPr/>
+          <p:nvPr/>
+        </p:nvCxnSpPr>
+        <p:spPr>
+          <a:xfrm flipH="1" flipV="1">
+            <a:off x="3366656" y="2680856"/>
+            <a:ext cx="3706089" cy="723900"/>
+          </a:xfrm>
+          <a:prstGeom prst="straightConnector1">
+            <a:avLst/>
+          </a:prstGeom>
+          <a:ln>
+            <a:tailEnd type="triangle"/>
+          </a:ln>
+        </p:spPr>
+        <p:style>
+          <a:lnRef idx="3">
+            <a:schemeClr val="dk1"/>
+          </a:lnRef>
+          <a:fillRef idx="0">
+            <a:schemeClr val="dk1"/>
+          </a:fillRef>
+          <a:effectRef idx="2">
+            <a:schemeClr val="dk1"/>
+          </a:effectRef>
+          <a:fontRef idx="minor">
+            <a:schemeClr val="tx1"/>
+          </a:fontRef>
+        </p:style>
+      </p:cxnSp>
+      <p:cxnSp>
+        <p:nvCxnSpPr>
+          <p:cNvPr id="31" name="Egyenes összekötő nyíllal 30"/>
+          <p:cNvCxnSpPr/>
+          <p:nvPr/>
+        </p:nvCxnSpPr>
+        <p:spPr>
+          <a:xfrm flipH="1" flipV="1">
+            <a:off x="4205999" y="3176756"/>
+            <a:ext cx="2866746" cy="228000"/>
+          </a:xfrm>
+          <a:prstGeom prst="straightConnector1">
+            <a:avLst/>
+          </a:prstGeom>
+          <a:ln>
+            <a:tailEnd type="triangle"/>
+          </a:ln>
+        </p:spPr>
+        <p:style>
+          <a:lnRef idx="3">
+            <a:schemeClr val="dk1"/>
+          </a:lnRef>
+          <a:fillRef idx="0">
+            <a:schemeClr val="dk1"/>
+          </a:fillRef>
+          <a:effectRef idx="2">
+            <a:schemeClr val="dk1"/>
+          </a:effectRef>
+          <a:fontRef idx="minor">
+            <a:schemeClr val="tx1"/>
+          </a:fontRef>
+        </p:style>
+      </p:cxnSp>
+      <p:cxnSp>
+        <p:nvCxnSpPr>
+          <p:cNvPr id="16" name="Egyenes összekötő nyíllal 15"/>
+          <p:cNvCxnSpPr>
+            <a:stCxn id="20" idx="1"/>
+          </p:cNvCxnSpPr>
+          <p:nvPr/>
+        </p:nvCxnSpPr>
+        <p:spPr>
+          <a:xfrm flipH="1" flipV="1">
+            <a:off x="6632865" y="2005244"/>
+            <a:ext cx="710044" cy="217967"/>
+          </a:xfrm>
+          <a:prstGeom prst="straightConnector1">
+            <a:avLst/>
+          </a:prstGeom>
+          <a:ln>
+            <a:tailEnd type="triangle"/>
+          </a:ln>
+        </p:spPr>
+        <p:style>
+          <a:lnRef idx="3">
+            <a:schemeClr val="dk1"/>
+          </a:lnRef>
+          <a:fillRef idx="0">
+            <a:schemeClr val="dk1"/>
+          </a:fillRef>
+          <a:effectRef idx="2">
+            <a:schemeClr val="dk1"/>
+          </a:effectRef>
+          <a:fontRef idx="minor">
+            <a:schemeClr val="tx1"/>
+          </a:fontRef>
+        </p:style>
+      </p:cxnSp>
+      <p:sp>
+        <p:nvSpPr>
+          <p:cNvPr id="35" name="Szövegdoboz 34"/>
+          <p:cNvSpPr txBox="1"/>
+          <p:nvPr/>
+        </p:nvSpPr>
+        <p:spPr>
+          <a:xfrm>
+            <a:off x="85415" y="1559787"/>
+            <a:ext cx="1483957" cy="1046440"/>
+          </a:xfrm>
+          <a:prstGeom prst="rect">
+            <a:avLst/>
+          </a:prstGeom>
+          <a:noFill/>
+        </p:spPr>
+        <p:txBody>
+          <a:bodyPr wrap="square" rtlCol="0">
+            <a:spAutoFit/>
+          </a:bodyPr>
+          <a:lstStyle/>
+          <a:p>
+            <a:r>
+              <a:rPr lang="hu-HU" sz="1800" dirty="0" err="1" smtClean="0">
+                <a:solidFill>
+                  <a:schemeClr val="tx1"/>
+                </a:solidFill>
+              </a:rPr>
+              <a:t>Menustrip</a:t>
+            </a:r>
+            <a:endParaRPr lang="hu-HU" sz="1800" dirty="0">
+              <a:solidFill>
+                <a:schemeClr val="tx1"/>
+              </a:solidFill>
+            </a:endParaRPr>
+          </a:p>
+          <a:p>
+            <a:endParaRPr lang="hu-HU" sz="800" dirty="0" smtClean="0">
+              <a:solidFill>
+                <a:schemeClr val="tx1"/>
+              </a:solidFill>
+            </a:endParaRPr>
+          </a:p>
+          <a:p>
+            <a:r>
+              <a:rPr lang="hu-HU" sz="1800" dirty="0" smtClean="0">
+                <a:solidFill>
+                  <a:schemeClr val="tx1"/>
+                </a:solidFill>
+              </a:rPr>
+              <a:t>-</a:t>
+            </a:r>
+            <a:r>
+              <a:rPr lang="hu-HU" sz="1800" dirty="0" err="1" smtClean="0">
+                <a:solidFill>
+                  <a:schemeClr val="tx1"/>
+                </a:solidFill>
+              </a:rPr>
+              <a:t>Background</a:t>
+            </a:r>
+            <a:r>
+              <a:rPr lang="hu-HU" sz="1800" dirty="0" smtClean="0">
+                <a:solidFill>
+                  <a:schemeClr val="tx1"/>
+                </a:solidFill>
+              </a:rPr>
+              <a:t> </a:t>
+            </a:r>
+            <a:r>
+              <a:rPr lang="hu-HU" sz="1800" dirty="0" err="1" smtClean="0">
+                <a:solidFill>
+                  <a:schemeClr val="tx1"/>
+                </a:solidFill>
+              </a:rPr>
+              <a:t>color</a:t>
+            </a:r>
+            <a:endParaRPr lang="hu-HU" sz="1800" dirty="0">
+              <a:solidFill>
+                <a:schemeClr val="tx1"/>
+              </a:solidFill>
+            </a:endParaRPr>
+          </a:p>
+        </p:txBody>
+      </p:sp>
+      <p:cxnSp>
+        <p:nvCxnSpPr>
+          <p:cNvPr id="49" name="Egyenes összekötő nyíllal 48"/>
+          <p:cNvCxnSpPr/>
+          <p:nvPr/>
+        </p:nvCxnSpPr>
+        <p:spPr>
+          <a:xfrm>
+            <a:off x="1276908" y="1738745"/>
+            <a:ext cx="475692" cy="1"/>
+          </a:xfrm>
+          <a:prstGeom prst="straightConnector1">
+            <a:avLst/>
+          </a:prstGeom>
+          <a:ln>
+            <a:tailEnd type="triangle"/>
+          </a:ln>
+        </p:spPr>
+        <p:style>
+          <a:lnRef idx="3">
+            <a:schemeClr val="dk1"/>
+          </a:lnRef>
+          <a:fillRef idx="0">
+            <a:schemeClr val="dk1"/>
+          </a:fillRef>
+          <a:effectRef idx="2">
+            <a:schemeClr val="dk1"/>
+          </a:effectRef>
+          <a:fontRef idx="minor">
+            <a:schemeClr val="tx1"/>
+          </a:fontRef>
+        </p:style>
+      </p:cxnSp>
+      <p:cxnSp>
+        <p:nvCxnSpPr>
+          <p:cNvPr id="55" name="Egyenes összekötő nyíllal 54"/>
+          <p:cNvCxnSpPr/>
+          <p:nvPr/>
+        </p:nvCxnSpPr>
+        <p:spPr>
+          <a:xfrm flipH="1">
+            <a:off x="4860657" y="3404756"/>
+            <a:ext cx="2212088" cy="1021771"/>
+          </a:xfrm>
+          <a:prstGeom prst="straightConnector1">
+            <a:avLst/>
+          </a:prstGeom>
+          <a:ln>
+            <a:tailEnd type="triangle"/>
+          </a:ln>
+        </p:spPr>
+        <p:style>
+          <a:lnRef idx="3">
+            <a:schemeClr val="dk1"/>
+          </a:lnRef>
+          <a:fillRef idx="0">
+            <a:schemeClr val="dk1"/>
+          </a:fillRef>
+          <a:effectRef idx="2">
+            <a:schemeClr val="dk1"/>
+          </a:effectRef>
+          <a:fontRef idx="minor">
+            <a:schemeClr val="tx1"/>
+          </a:fontRef>
+        </p:style>
+      </p:cxnSp>
+    </p:spTree>
+    <p:extLst>
+      <p:ext uri="{BB962C8B-B14F-4D97-AF65-F5344CB8AC3E}">
+        <p14:creationId xmlns:p14="http://schemas.microsoft.com/office/powerpoint/2010/main" val="2365785505"/>
+      </p:ext>
+    </p:extLst>
+  </p:cSld>
+  <p:clrMapOvr>
+    <a:masterClrMapping/>
+  </p:clrMapOvr>
+  <p:timing>
+    <p:tnLst>
+      <p:par>
+        <p:cTn id="1" dur="indefinite" restart="never" nodeType="tmRoot"/>
+      </p:par>
+    </p:tnLst>
+  </p:timing>
+</p:sld>
+</file>
+
+<file path=ppt/slides/slide11.xml><?xml version="1.0" encoding="utf-8"?>
+<p:sld xmlns:a="http://schemas.openxmlformats.org/drawingml/2006/main" xmlns:r="http://schemas.openxmlformats.org/officeDocument/2006/relationships" xmlns:p="http://schemas.openxmlformats.org/presentationml/2006/main">
+  <p:cSld>
+    <p:spTree>
+      <p:nvGrpSpPr>
         <p:cNvPr id="1" name="Shape 1514"/>
         <p:cNvGrpSpPr/>
         <p:nvPr/>
@@ -23657,7 +25505,7 @@
 </p:sld>
 </file>
 
-<file path=ppt/slides/slide11.xml><?xml version="1.0" encoding="utf-8"?>
+<file path=ppt/slides/slide12.xml><?xml version="1.0" encoding="utf-8"?>
 <p:sld xmlns:a="http://schemas.openxmlformats.org/drawingml/2006/main" xmlns:r="http://schemas.openxmlformats.org/officeDocument/2006/relationships" xmlns:p="http://schemas.openxmlformats.org/presentationml/2006/main">
   <p:cSld>
     <p:spTree>
@@ -23892,11 +25740,7 @@
             </a:r>
             <a:r>
               <a:rPr lang="hu-HU" sz="1600" dirty="0" smtClean="0"/>
-              <a:t>(): idő </a:t>
-            </a:r>
-            <a:r>
-              <a:rPr lang="hu-HU" sz="1600" dirty="0" smtClean="0"/>
-              <a:t>mérése</a:t>
+              <a:t>(): idő mérése</a:t>
             </a:r>
           </a:p>
           <a:p>
@@ -23915,7 +25759,6 @@
               <a:rPr lang="hu-HU" sz="1600" dirty="0" smtClean="0"/>
               <a:t>eseményeket</a:t>
             </a:r>
-            <a:endParaRPr lang="hu-HU" sz="1600" dirty="0" smtClean="0"/>
           </a:p>
           <a:p>
             <a:pPr lvl="0" indent="-317500">
@@ -24945,7 +26788,7 @@
 </p:sld>
 </file>
 
-<file path=ppt/slides/slide12.xml><?xml version="1.0" encoding="utf-8"?>
+<file path=ppt/slides/slide13.xml><?xml version="1.0" encoding="utf-8"?>
 <p:sld xmlns:a="http://schemas.openxmlformats.org/drawingml/2006/main" xmlns:r="http://schemas.openxmlformats.org/officeDocument/2006/relationships" xmlns:p="http://schemas.openxmlformats.org/presentationml/2006/main">
   <p:cSld>
     <p:spTree>
@@ -25822,7 +27665,7 @@
         </p:nvSpPr>
         <p:spPr>
           <a:xfrm>
-            <a:off x="717425" y="471055"/>
+            <a:off x="786698" y="256125"/>
             <a:ext cx="7709100" cy="764570"/>
           </a:xfrm>
           <a:prstGeom prst="rect">
@@ -26565,7 +28408,39 @@
                   <a:schemeClr val="bg1"/>
                 </a:solidFill>
               </a:rPr>
-              <a:t>hogy egy izgalmas és kihívásokkal teli élményt nyújtson a játékosoknak, miközben megpróbálják túlélni a zombiapokalipszist.</a:t>
+              <a:t>hogy egy izgalmas és kihívásokkal teli élményt nyújtson a </a:t>
+            </a:r>
+            <a:r>
+              <a:rPr lang="hu-HU" sz="2800" dirty="0" smtClean="0">
+                <a:solidFill>
+                  <a:schemeClr val="bg1"/>
+                </a:solidFill>
+              </a:rPr>
+              <a:t>játékosnak</a:t>
+            </a:r>
+            <a:r>
+              <a:rPr lang="hu-HU" sz="2800" dirty="0">
+                <a:solidFill>
+                  <a:schemeClr val="bg1"/>
+                </a:solidFill>
+              </a:rPr>
+              <a:t>, miközben </a:t>
+            </a:r>
+            <a:r>
+              <a:rPr lang="hu-HU" sz="2800" dirty="0" smtClean="0">
+                <a:solidFill>
+                  <a:schemeClr val="bg1"/>
+                </a:solidFill>
+              </a:rPr>
+              <a:t>megpróbálja </a:t>
+            </a:r>
+            <a:r>
+              <a:rPr lang="hu-HU" sz="2800" dirty="0">
+                <a:solidFill>
+                  <a:schemeClr val="bg1"/>
+                </a:solidFill>
+              </a:rPr>
+              <a:t>túlélni a zombiapokalipszist.</a:t>
             </a:r>
           </a:p>
           <a:p>
@@ -27996,7 +29871,7 @@
         </p:nvSpPr>
         <p:spPr>
           <a:xfrm>
-            <a:off x="193964" y="255905"/>
+            <a:off x="193964" y="207413"/>
             <a:ext cx="5551756" cy="513021"/>
           </a:xfrm>
         </p:spPr>
@@ -28059,8 +29934,8 @@
         </p:nvSpPr>
         <p:spPr bwMode="auto">
           <a:xfrm>
-            <a:off x="106219" y="865909"/>
-            <a:ext cx="8808676" cy="3570208"/>
+            <a:off x="110837" y="727410"/>
+            <a:ext cx="8728363" cy="3877985"/>
           </a:xfrm>
           <a:prstGeom prst="rect">
             <a:avLst/>
@@ -28181,107 +30056,80 @@
               <a:buChar char="Ø"/>
             </a:pPr>
             <a:r>
-              <a:rPr kumimoji="0" lang="hu-HU" altLang="hu-HU" sz="1600" b="0" i="0" u="none" strike="noStrike" cap="none" normalizeH="0" baseline="0" dirty="0" smtClean="0">
-                <a:ln>
-                  <a:noFill/>
-                </a:ln>
+              <a:rPr lang="hu-HU" sz="1800" dirty="0" smtClean="0">
                 <a:solidFill>
                   <a:schemeClr val="bg1"/>
                 </a:solidFill>
-                <a:effectLst/>
-                <a:latin typeface="Arial" panose="020B0604020202020204" pitchFamily="34" charset="0"/>
               </a:rPr>
-              <a:t>A játékosnak az a feladata, hogy minél tovább túléljen </a:t>
+              <a:t>A </a:t>
             </a:r>
             <a:r>
-              <a:rPr kumimoji="0" lang="hu-HU" altLang="hu-HU" sz="1600" b="0" i="0" u="none" strike="noStrike" cap="none" normalizeH="0" baseline="0" dirty="0" smtClean="0">
-                <a:ln>
-                  <a:noFill/>
-                </a:ln>
+              <a:rPr lang="hu-HU" sz="1800" dirty="0">
                 <a:solidFill>
                   <a:schemeClr val="bg1"/>
                 </a:solidFill>
-                <a:effectLst/>
-                <a:latin typeface="Arial" panose="020B0604020202020204" pitchFamily="34" charset="0"/>
               </a:rPr>
-              <a:t>a</a:t>
+              <a:t>játékmenet középpontjában a </a:t>
             </a:r>
             <a:r>
-              <a:rPr kumimoji="0" lang="hu-HU" altLang="hu-HU" sz="1600" b="0" i="0" u="none" strike="noStrike" cap="none" normalizeH="0" dirty="0" smtClean="0">
-                <a:ln>
-                  <a:noFill/>
-                </a:ln>
+              <a:rPr lang="hu-HU" sz="1800" dirty="0" smtClean="0">
                 <a:solidFill>
                   <a:schemeClr val="bg1"/>
                 </a:solidFill>
-                <a:effectLst/>
-                <a:latin typeface="Arial" panose="020B0604020202020204" pitchFamily="34" charset="0"/>
               </a:rPr>
-              <a:t> feléje siető</a:t>
+              <a:t>zombikkal szemben való túlélés </a:t>
             </a:r>
             <a:r>
-              <a:rPr kumimoji="0" lang="hu-HU" altLang="hu-HU" sz="1600" b="0" i="0" u="none" strike="noStrike" cap="none" normalizeH="0" baseline="0" dirty="0" smtClean="0">
-                <a:ln>
-                  <a:noFill/>
-                </a:ln>
+              <a:rPr lang="hu-HU" sz="1800" dirty="0">
                 <a:solidFill>
                   <a:schemeClr val="bg1"/>
                 </a:solidFill>
-                <a:effectLst/>
-                <a:latin typeface="Arial" panose="020B0604020202020204" pitchFamily="34" charset="0"/>
               </a:rPr>
-              <a:t> </a:t>
+              <a:t>kihívásai állnak. A játékosnak ki kell lőnie a zombikat, mielőtt azok túl közel kerülnének hozzá. Ha egy zombi eléri a játékost, az </a:t>
             </a:r>
             <a:r>
-              <a:rPr kumimoji="0" lang="hu-HU" altLang="hu-HU" sz="1600" b="0" i="0" u="none" strike="noStrike" cap="none" normalizeH="0" baseline="0" dirty="0" smtClean="0">
-                <a:ln>
-                  <a:noFill/>
-                </a:ln>
+              <a:rPr lang="hu-HU" sz="1800" dirty="0" smtClean="0">
                 <a:solidFill>
                   <a:schemeClr val="bg1"/>
                 </a:solidFill>
-                <a:effectLst/>
-                <a:latin typeface="Arial" panose="020B0604020202020204" pitchFamily="34" charset="0"/>
               </a:rPr>
-              <a:t>zombihordák támadásával szemben.</a:t>
+              <a:t>életerőt </a:t>
             </a:r>
-          </a:p>
-          <a:p>
-            <a:pPr marL="171450" marR="0" lvl="0" indent="-171450" algn="l" defTabSz="914400" rtl="0" eaLnBrk="0" fontAlgn="base" latinLnBrk="0" hangingPunct="0">
-              <a:lnSpc>
-                <a:spcPct val="100000"/>
-              </a:lnSpc>
-              <a:spcBef>
-                <a:spcPct val="0"/>
-              </a:spcBef>
-              <a:spcAft>
-                <a:spcPct val="0"/>
-              </a:spcAft>
-              <a:buClrTx/>
-              <a:buSzTx/>
-              <a:buFont typeface="Wingdings" panose="05000000000000000000" pitchFamily="2" charset="2"/>
-              <a:buChar char="Ø"/>
-              <a:tabLst/>
-            </a:pPr>
             <a:r>
-              <a:rPr kumimoji="0" lang="hu-HU" altLang="hu-HU" sz="1600" b="0" i="0" u="none" strike="noStrike" cap="none" normalizeH="0" baseline="0" dirty="0" smtClean="0">
-                <a:ln>
-                  <a:noFill/>
-                </a:ln>
+              <a:rPr lang="hu-HU" sz="1800" dirty="0">
                 <a:solidFill>
                   <a:schemeClr val="bg1"/>
                 </a:solidFill>
-                <a:effectLst/>
-                <a:latin typeface="Arial" panose="020B0604020202020204" pitchFamily="34" charset="0"/>
               </a:rPr>
-              <a:t>A játék a végtelenségig tart, és a játékosnak minden egyes hullámban meg kell küzdenie a zombikkal, miközben gyűjti az értékes pontokat és lőszert.</a:t>
+              <a:t>veszít, ami végül </a:t>
             </a:r>
-          </a:p>
-          <a:p>
-            <a:pPr marR="0" lvl="0" algn="l" defTabSz="914400" rtl="0" eaLnBrk="0" fontAlgn="base" latinLnBrk="0" hangingPunct="0">
-              <a:lnSpc>
-                <a:spcPct val="100000"/>
-              </a:lnSpc>
+            <a:r>
+              <a:rPr lang="hu-HU" sz="1800" dirty="0" smtClean="0">
+                <a:solidFill>
+                  <a:schemeClr val="bg1"/>
+                </a:solidFill>
+              </a:rPr>
+              <a:t>halálhoz </a:t>
+            </a:r>
+            <a:r>
+              <a:rPr lang="hu-HU" sz="1800" dirty="0">
+                <a:solidFill>
+                  <a:schemeClr val="bg1"/>
+                </a:solidFill>
+              </a:rPr>
+              <a:t>vezethet. (és a játék végéhez</a:t>
+            </a:r>
+            <a:r>
+              <a:rPr lang="hu-HU" sz="1800" dirty="0" smtClean="0">
+                <a:solidFill>
+                  <a:schemeClr val="bg1"/>
+                </a:solidFill>
+              </a:rPr>
+              <a:t>)</a:t>
+            </a:r>
+          </a:p>
+          <a:p>
+            <a:pPr marL="228600" lvl="3" indent="-228600" eaLnBrk="0" fontAlgn="base" hangingPunct="0">
               <a:spcBef>
                 <a:spcPct val="0"/>
               </a:spcBef>
@@ -28289,22 +30137,17 @@
                 <a:spcPct val="0"/>
               </a:spcAft>
               <a:buClrTx/>
-              <a:buSzTx/>
-              <a:tabLst/>
+              <a:buFont typeface="Wingdings" panose="05000000000000000000" pitchFamily="2" charset="2"/>
+              <a:buChar char="Ø"/>
             </a:pPr>
-            <a:endParaRPr kumimoji="0" lang="hu-HU" altLang="hu-HU" sz="1600" b="0" i="0" u="none" strike="noStrike" cap="none" normalizeH="0" baseline="0" dirty="0" smtClean="0">
-              <a:ln>
-                <a:noFill/>
-              </a:ln>
+            <a:endParaRPr lang="hu-HU" sz="1800" dirty="0" smtClean="0">
               <a:solidFill>
                 <a:schemeClr val="bg1"/>
               </a:solidFill>
-              <a:effectLst/>
-              <a:latin typeface="Arial" panose="020B0604020202020204" pitchFamily="34" charset="0"/>
             </a:endParaRPr>
           </a:p>
           <a:p>
-            <a:pPr lvl="0" eaLnBrk="0" fontAlgn="base" hangingPunct="0">
+            <a:pPr marL="228600" lvl="3" indent="-228600" eaLnBrk="0" fontAlgn="base" hangingPunct="0">
               <a:spcBef>
                 <a:spcPct val="0"/>
               </a:spcBef>
@@ -28312,35 +30155,71 @@
                 <a:spcPct val="0"/>
               </a:spcAft>
               <a:buClrTx/>
+              <a:buFont typeface="Wingdings" panose="05000000000000000000" pitchFamily="2" charset="2"/>
+              <a:buChar char="Ø"/>
             </a:pPr>
             <a:r>
-              <a:rPr lang="hu-HU" altLang="hu-HU" sz="1800" b="1" dirty="0" smtClean="0">
+              <a:rPr lang="hu-HU" sz="1800" dirty="0">
                 <a:solidFill>
                   <a:schemeClr val="bg1"/>
                 </a:solidFill>
-                <a:latin typeface="Arial" panose="020B0604020202020204" pitchFamily="34" charset="0"/>
               </a:rPr>
-              <a:t>2. </a:t>
+              <a:t>A játék dinamikus jellege érdekében a zombik véletlenszerűen jelennek meg a pályán, és a játékosnak </a:t>
             </a:r>
             <a:r>
-              <a:rPr lang="hu-HU" altLang="hu-HU" sz="1800" b="1" u="sng" dirty="0" smtClean="0">
+              <a:rPr lang="hu-HU" sz="1800" dirty="0" smtClean="0">
                 <a:solidFill>
                   <a:schemeClr val="bg1"/>
                 </a:solidFill>
-                <a:latin typeface="Arial" panose="020B0604020202020204" pitchFamily="34" charset="0"/>
               </a:rPr>
-              <a:t>Pontszerzés</a:t>
+              <a:t>ügyelnie kell </a:t>
             </a:r>
             <a:r>
-              <a:rPr lang="hu-HU" altLang="hu-HU" sz="1800" b="1" u="sng" dirty="0">
+              <a:rPr lang="hu-HU" sz="1800" dirty="0">
                 <a:solidFill>
                   <a:schemeClr val="bg1"/>
                 </a:solidFill>
-                <a:latin typeface="Arial" panose="020B0604020202020204" pitchFamily="34" charset="0"/>
               </a:rPr>
-              <a:t>:</a:t>
+              <a:t>arra, hogy a lövedékekkel hatékonyan </a:t>
             </a:r>
-            <a:endParaRPr lang="hu-HU" altLang="hu-HU" sz="1800" u="sng" dirty="0">
+            <a:r>
+              <a:rPr lang="hu-HU" sz="1800" dirty="0" smtClean="0">
+                <a:solidFill>
+                  <a:schemeClr val="bg1"/>
+                </a:solidFill>
+              </a:rPr>
+              <a:t>védje meg magát. </a:t>
+            </a:r>
+            <a:r>
+              <a:rPr lang="hu-HU" sz="1800" dirty="0">
+                <a:solidFill>
+                  <a:schemeClr val="bg1"/>
+                </a:solidFill>
+              </a:rPr>
+              <a:t>A játékos pontokat kap minden sikeresen kiiktatott zombiért, valamint a felvett lőszermagazinokért</a:t>
+            </a:r>
+            <a:r>
+              <a:rPr lang="hu-HU" sz="1800" dirty="0" smtClean="0">
+                <a:solidFill>
+                  <a:schemeClr val="bg1"/>
+                </a:solidFill>
+              </a:rPr>
+              <a:t>.</a:t>
+            </a:r>
+          </a:p>
+          <a:p>
+            <a:pPr marL="228600" lvl="3" indent="-228600" eaLnBrk="0" fontAlgn="base" hangingPunct="0">
+              <a:spcBef>
+                <a:spcPct val="0"/>
+              </a:spcBef>
+              <a:spcAft>
+                <a:spcPct val="0"/>
+              </a:spcAft>
+              <a:buClrTx/>
+              <a:buFont typeface="Wingdings" panose="05000000000000000000" pitchFamily="2" charset="2"/>
+              <a:buChar char="Ø"/>
+            </a:pPr>
+            <a:endParaRPr lang="hu-HU" altLang="hu-HU" sz="1800" dirty="0">
               <a:solidFill>
                 <a:schemeClr val="bg1"/>
               </a:solidFill>
@@ -28348,7 +30227,7 @@
             </a:endParaRPr>
           </a:p>
           <a:p>
-            <a:pPr marL="285750" lvl="0" indent="-285750" eaLnBrk="0" fontAlgn="base" hangingPunct="0">
+            <a:pPr marL="228600" lvl="3" indent="-228600" eaLnBrk="0" fontAlgn="base" hangingPunct="0">
               <a:spcBef>
                 <a:spcPct val="0"/>
               </a:spcBef>
@@ -28360,160 +30239,46 @@
               <a:buChar char="Ø"/>
             </a:pPr>
             <a:r>
-              <a:rPr lang="hu-HU" altLang="hu-HU" sz="1600" dirty="0">
+              <a:rPr lang="hu-HU" sz="1800" dirty="0">
                 <a:solidFill>
                   <a:schemeClr val="bg1"/>
                 </a:solidFill>
-                <a:latin typeface="Arial" panose="020B0604020202020204" pitchFamily="34" charset="0"/>
               </a:rPr>
-              <a:t>A játékos pontokat szerezhet a következő módon:</a:t>
+              <a:t>A </a:t>
             </a:r>
-          </a:p>
-          <a:p>
-            <a:pPr marL="457200" lvl="1" eaLnBrk="0" fontAlgn="base" hangingPunct="0">
-              <a:spcBef>
-                <a:spcPct val="0"/>
-              </a:spcBef>
-              <a:spcAft>
-                <a:spcPct val="0"/>
-              </a:spcAft>
-              <a:buClrTx/>
-              <a:buFontTx/>
-              <a:buChar char="•"/>
-            </a:pPr>
             <a:r>
-              <a:rPr lang="hu-HU" altLang="hu-HU" sz="1600" dirty="0" smtClean="0">
+              <a:rPr lang="hu-HU" sz="1800" dirty="0" err="1">
                 <a:solidFill>
                   <a:schemeClr val="bg1"/>
                 </a:solidFill>
-                <a:latin typeface="Arial" panose="020B0604020202020204" pitchFamily="34" charset="0"/>
               </a:rPr>
-              <a:t> Zombik </a:t>
+              <a:t>Zombie</a:t>
             </a:r>
             <a:r>
-              <a:rPr lang="hu-HU" altLang="hu-HU" sz="1600" dirty="0">
+              <a:rPr lang="hu-HU" sz="1800" dirty="0">
                 <a:solidFill>
                   <a:schemeClr val="bg1"/>
                 </a:solidFill>
-                <a:latin typeface="Arial" panose="020B0604020202020204" pitchFamily="34" charset="0"/>
-              </a:rPr>
-              <a:t>kilövése: Minden egyes zombi kilövése után a játékos +10 pontot kap.</a:t>
-            </a:r>
-          </a:p>
-          <a:p>
-            <a:pPr marL="457200" lvl="1" eaLnBrk="0" fontAlgn="base" hangingPunct="0">
-              <a:spcBef>
-                <a:spcPct val="0"/>
-              </a:spcBef>
-              <a:spcAft>
-                <a:spcPct val="0"/>
-              </a:spcAft>
-              <a:buClrTx/>
-              <a:buFontTx/>
-              <a:buChar char="•"/>
-            </a:pPr>
-            <a:r>
-              <a:rPr lang="hu-HU" altLang="hu-HU" sz="1600" dirty="0" smtClean="0">
-                <a:solidFill>
-                  <a:schemeClr val="bg1"/>
-                </a:solidFill>
-                <a:latin typeface="Arial" panose="020B0604020202020204" pitchFamily="34" charset="0"/>
               </a:rPr>
               <a:t> </a:t>
             </a:r>
             <a:r>
-              <a:rPr lang="hu-HU" altLang="hu-HU" sz="1600" dirty="0" err="1" smtClean="0">
+              <a:rPr lang="hu-HU" sz="1800" dirty="0" err="1">
                 <a:solidFill>
                   <a:schemeClr val="bg1"/>
                 </a:solidFill>
-                <a:latin typeface="Arial" panose="020B0604020202020204" pitchFamily="34" charset="0"/>
               </a:rPr>
-              <a:t>Ammo</a:t>
+              <a:t>Shooter</a:t>
             </a:r>
             <a:r>
-              <a:rPr lang="hu-HU" altLang="hu-HU" sz="1600" dirty="0" smtClean="0">
+              <a:rPr lang="hu-HU" sz="1800" dirty="0">
                 <a:solidFill>
                   <a:schemeClr val="bg1"/>
                 </a:solidFill>
-                <a:latin typeface="Arial" panose="020B0604020202020204" pitchFamily="34" charset="0"/>
               </a:rPr>
-              <a:t> </a:t>
+              <a:t> egy izgalmas és kihívást jelentő játékélményt kínál, ahol a reflexek és a stratégiai gondolkodás egyaránt kulcsszerepet játszik a túlélésben.</a:t>
             </a:r>
-            <a:r>
-              <a:rPr lang="hu-HU" altLang="hu-HU" sz="1600" dirty="0">
-                <a:solidFill>
-                  <a:schemeClr val="bg1"/>
-                </a:solidFill>
-                <a:latin typeface="Arial" panose="020B0604020202020204" pitchFamily="34" charset="0"/>
-              </a:rPr>
-              <a:t>gyűjtése: Amikor a </a:t>
-            </a:r>
-            <a:r>
-              <a:rPr lang="hu-HU" altLang="hu-HU" sz="1600" dirty="0" smtClean="0">
-                <a:solidFill>
-                  <a:schemeClr val="bg1"/>
-                </a:solidFill>
-                <a:latin typeface="Arial" panose="020B0604020202020204" pitchFamily="34" charset="0"/>
-              </a:rPr>
-              <a:t>játékos felvételi </a:t>
-            </a:r>
-            <a:r>
-              <a:rPr lang="hu-HU" altLang="hu-HU" sz="1600" dirty="0">
-                <a:solidFill>
-                  <a:schemeClr val="bg1"/>
-                </a:solidFill>
-                <a:latin typeface="Arial" panose="020B0604020202020204" pitchFamily="34" charset="0"/>
-              </a:rPr>
-              <a:t>pontot talál, </a:t>
-            </a:r>
-            <a:r>
-              <a:rPr lang="hu-HU" altLang="hu-HU" sz="1600" dirty="0" smtClean="0">
-                <a:solidFill>
-                  <a:schemeClr val="bg1"/>
-                </a:solidFill>
-                <a:latin typeface="Arial" panose="020B0604020202020204" pitchFamily="34" charset="0"/>
-              </a:rPr>
-              <a:t>lőszert</a:t>
-            </a:r>
-            <a:r>
-              <a:rPr lang="hu-HU" altLang="hu-HU" sz="1600" dirty="0" smtClean="0">
-                <a:solidFill>
-                  <a:schemeClr val="bg1"/>
-                </a:solidFill>
-                <a:latin typeface="Arial" panose="020B0604020202020204" pitchFamily="34" charset="0"/>
-              </a:rPr>
-              <a:t> </a:t>
-            </a:r>
-            <a:r>
-              <a:rPr lang="hu-HU" altLang="hu-HU" sz="1600" dirty="0">
-                <a:solidFill>
-                  <a:schemeClr val="bg1"/>
-                </a:solidFill>
-                <a:latin typeface="Arial" panose="020B0604020202020204" pitchFamily="34" charset="0"/>
-              </a:rPr>
-              <a:t>kap, ami +5 pontot ér</a:t>
-            </a:r>
-            <a:r>
-              <a:rPr lang="hu-HU" altLang="hu-HU" sz="1600" dirty="0" smtClean="0">
-                <a:solidFill>
-                  <a:schemeClr val="bg1"/>
-                </a:solidFill>
-                <a:latin typeface="Arial" panose="020B0604020202020204" pitchFamily="34" charset="0"/>
-              </a:rPr>
-              <a:t>.</a:t>
-            </a:r>
-          </a:p>
-          <a:p>
-            <a:pPr marL="457200" lvl="1" eaLnBrk="0" fontAlgn="base" hangingPunct="0">
-              <a:spcBef>
-                <a:spcPct val="0"/>
-              </a:spcBef>
-              <a:spcAft>
-                <a:spcPct val="0"/>
-              </a:spcAft>
-              <a:buClrTx/>
-            </a:pPr>
-            <a:endParaRPr lang="hu-HU" altLang="hu-HU" sz="1600" dirty="0">
+            <a:endParaRPr lang="hu-HU" altLang="hu-HU" sz="1800" dirty="0" smtClean="0">
               <a:solidFill>
                 <a:schemeClr val="bg1"/>
               </a:solidFill>
@@ -28521,7 +30286,7 @@
             </a:endParaRPr>
           </a:p>
           <a:p>
-            <a:pPr lvl="0" eaLnBrk="0" fontAlgn="base" hangingPunct="0">
+            <a:pPr marL="228600" lvl="3" indent="-228600" eaLnBrk="0" fontAlgn="base" hangingPunct="0">
               <a:spcBef>
                 <a:spcPct val="0"/>
               </a:spcBef>
@@ -28529,102 +30294,8 @@
                 <a:spcPct val="0"/>
               </a:spcAft>
               <a:buClrTx/>
-            </a:pPr>
-            <a:r>
-              <a:rPr lang="hu-HU" altLang="hu-HU" sz="1800" b="1" dirty="0" smtClean="0">
-                <a:solidFill>
-                  <a:schemeClr val="bg1"/>
-                </a:solidFill>
-                <a:latin typeface="Arial" panose="020B0604020202020204" pitchFamily="34" charset="0"/>
-              </a:rPr>
-              <a:t>3. </a:t>
-            </a:r>
-            <a:r>
-              <a:rPr lang="hu-HU" altLang="hu-HU" sz="1800" b="1" u="sng" dirty="0" smtClean="0">
-                <a:solidFill>
-                  <a:schemeClr val="bg1"/>
-                </a:solidFill>
-                <a:latin typeface="Arial" panose="020B0604020202020204" pitchFamily="34" charset="0"/>
-              </a:rPr>
-              <a:t>Túlélés:</a:t>
-            </a:r>
-            <a:endParaRPr lang="hu-HU" altLang="hu-HU" sz="1800" b="1" u="sng" dirty="0">
-              <a:solidFill>
-                <a:schemeClr val="bg1"/>
-              </a:solidFill>
-              <a:latin typeface="Arial" panose="020B0604020202020204" pitchFamily="34" charset="0"/>
-            </a:endParaRPr>
-          </a:p>
-          <a:p>
-            <a:pPr marL="285750" marR="0" lvl="0" indent="-285750" algn="l" defTabSz="914400" rtl="0" eaLnBrk="0" fontAlgn="base" latinLnBrk="0" hangingPunct="0">
-              <a:lnSpc>
-                <a:spcPct val="100000"/>
-              </a:lnSpc>
-              <a:spcBef>
-                <a:spcPct val="0"/>
-              </a:spcBef>
-              <a:spcAft>
-                <a:spcPct val="0"/>
-              </a:spcAft>
-              <a:buClrTx/>
-              <a:buSzTx/>
               <a:buFont typeface="Wingdings" panose="05000000000000000000" pitchFamily="2" charset="2"/>
               <a:buChar char="Ø"/>
-              <a:tabLst/>
-            </a:pPr>
-            <a:r>
-              <a:rPr kumimoji="0" lang="hu-HU" altLang="hu-HU" sz="1600" b="0" i="0" u="none" strike="noStrike" cap="none" normalizeH="0" baseline="0" dirty="0" smtClean="0">
-                <a:ln>
-                  <a:noFill/>
-                </a:ln>
-                <a:solidFill>
-                  <a:schemeClr val="bg1"/>
-                </a:solidFill>
-                <a:effectLst/>
-                <a:latin typeface="Arial" panose="020B0604020202020204" pitchFamily="34" charset="0"/>
-              </a:rPr>
-              <a:t>A játék fő célja a túlélés, minél</a:t>
-            </a:r>
-            <a:r>
-              <a:rPr kumimoji="0" lang="hu-HU" altLang="hu-HU" sz="1600" b="0" i="0" u="none" strike="noStrike" cap="none" normalizeH="0" dirty="0" smtClean="0">
-                <a:ln>
-                  <a:noFill/>
-                </a:ln>
-                <a:solidFill>
-                  <a:schemeClr val="bg1"/>
-                </a:solidFill>
-                <a:effectLst/>
-                <a:latin typeface="Arial" panose="020B0604020202020204" pitchFamily="34" charset="0"/>
-              </a:rPr>
-              <a:t> hosszabb ideig életben maradni.</a:t>
-            </a:r>
-            <a:endParaRPr kumimoji="0" lang="hu-HU" altLang="hu-HU" sz="1600" b="0" i="0" u="none" strike="noStrike" cap="none" normalizeH="0" baseline="0" dirty="0" smtClean="0">
-              <a:ln>
-                <a:noFill/>
-              </a:ln>
-              <a:solidFill>
-                <a:schemeClr val="bg1"/>
-              </a:solidFill>
-              <a:effectLst/>
-              <a:latin typeface="Arial" panose="020B0604020202020204" pitchFamily="34" charset="0"/>
-            </a:endParaRPr>
-          </a:p>
-          <a:p>
-            <a:pPr marL="0" marR="0" lvl="0" indent="0" algn="l" defTabSz="914400" rtl="0" eaLnBrk="0" fontAlgn="base" latinLnBrk="0" hangingPunct="0">
-              <a:lnSpc>
-                <a:spcPct val="100000"/>
-              </a:lnSpc>
-              <a:spcBef>
-                <a:spcPct val="0"/>
-              </a:spcBef>
-              <a:spcAft>
-                <a:spcPct val="0"/>
-              </a:spcAft>
-              <a:buClrTx/>
-              <a:buSzTx/>
-              <a:buFontTx/>
-              <a:buNone/>
-              <a:tabLst/>
             </a:pPr>
             <a:endParaRPr kumimoji="0" lang="hu-HU" altLang="hu-HU" sz="1200" b="0" i="0" u="none" strike="noStrike" cap="none" normalizeH="0" baseline="0" dirty="0" smtClean="0">
               <a:ln>
@@ -28664,6 +30335,576 @@
   <p:cSld>
     <p:spTree>
       <p:nvGrpSpPr>
+        <p:cNvPr id="1" name=""/>
+        <p:cNvGrpSpPr/>
+        <p:nvPr/>
+      </p:nvGrpSpPr>
+      <p:grpSpPr>
+        <a:xfrm>
+          <a:off x="0" y="0"/>
+          <a:ext cx="0" cy="0"/>
+          <a:chOff x="0" y="0"/>
+          <a:chExt cx="0" cy="0"/>
+        </a:xfrm>
+      </p:grpSpPr>
+      <p:sp>
+        <p:nvSpPr>
+          <p:cNvPr id="2" name="Cím 1"/>
+          <p:cNvSpPr>
+            <a:spLocks noGrp="1"/>
+          </p:cNvSpPr>
+          <p:nvPr>
+            <p:ph type="title"/>
+          </p:nvPr>
+        </p:nvSpPr>
+        <p:spPr>
+          <a:xfrm>
+            <a:off x="193964" y="207413"/>
+            <a:ext cx="5551756" cy="513021"/>
+          </a:xfrm>
+        </p:spPr>
+        <p:txBody>
+          <a:bodyPr/>
+          <a:lstStyle/>
+          <a:p>
+            <a:pPr algn="l"/>
+            <a:r>
+              <a:rPr lang="hu-HU" sz="5400" spc="300" dirty="0" smtClean="0">
+                <a:latin typeface="Times New Roman" panose="02020603050405020304" pitchFamily="18" charset="0"/>
+                <a:cs typeface="Times New Roman" panose="02020603050405020304" pitchFamily="18" charset="0"/>
+              </a:rPr>
+              <a:t>Játékleírás:</a:t>
+            </a:r>
+            <a:endParaRPr lang="hu-HU" sz="5400" spc="300" dirty="0">
+              <a:latin typeface="Times New Roman" panose="02020603050405020304" pitchFamily="18" charset="0"/>
+              <a:cs typeface="Times New Roman" panose="02020603050405020304" pitchFamily="18" charset="0"/>
+            </a:endParaRPr>
+          </a:p>
+        </p:txBody>
+      </p:sp>
+      <p:sp>
+        <p:nvSpPr>
+          <p:cNvPr id="3" name="Szövegdoboz 2"/>
+          <p:cNvSpPr txBox="1"/>
+          <p:nvPr/>
+        </p:nvSpPr>
+        <p:spPr>
+          <a:xfrm>
+            <a:off x="429491" y="865909"/>
+            <a:ext cx="8340436" cy="307777"/>
+          </a:xfrm>
+          <a:prstGeom prst="rect">
+            <a:avLst/>
+          </a:prstGeom>
+          <a:noFill/>
+        </p:spPr>
+        <p:txBody>
+          <a:bodyPr wrap="square" rtlCol="0">
+            <a:spAutoFit/>
+          </a:bodyPr>
+          <a:lstStyle/>
+          <a:p>
+            <a:pPr marL="285750" indent="-285750">
+              <a:buFont typeface="Arial" panose="020B0604020202020204" pitchFamily="34" charset="0"/>
+              <a:buChar char="•"/>
+            </a:pPr>
+            <a:endParaRPr lang="hu-HU" dirty="0"/>
+          </a:p>
+        </p:txBody>
+      </p:sp>
+      <p:sp>
+        <p:nvSpPr>
+          <p:cNvPr id="5" name="Rectangle 2"/>
+          <p:cNvSpPr>
+            <a:spLocks noChangeArrowheads="1"/>
+          </p:cNvSpPr>
+          <p:nvPr/>
+        </p:nvSpPr>
+        <p:spPr bwMode="auto">
+          <a:xfrm>
+            <a:off x="138546" y="1112131"/>
+            <a:ext cx="8728363" cy="3570208"/>
+          </a:xfrm>
+          <a:prstGeom prst="rect">
+            <a:avLst/>
+          </a:prstGeom>
+          <a:noFill/>
+          <a:ln>
+            <a:noFill/>
+          </a:ln>
+          <a:effectLst/>
+          <a:extLst>
+            <a:ext uri="{909E8E84-426E-40DD-AFC4-6F175D3DCCD1}">
+              <a14:hiddenFill xmlns:a14="http://schemas.microsoft.com/office/drawing/2010/main">
+                <a:solidFill>
+                  <a:schemeClr val="accent1"/>
+                </a:solidFill>
+              </a14:hiddenFill>
+            </a:ext>
+            <a:ext uri="{91240B29-F687-4F45-9708-019B960494DF}">
+              <a14:hiddenLine xmlns:a14="http://schemas.microsoft.com/office/drawing/2010/main" w="9525">
+                <a:solidFill>
+                  <a:schemeClr val="tx1"/>
+                </a:solidFill>
+                <a:miter lim="800000"/>
+                <a:headEnd/>
+                <a:tailEnd/>
+              </a14:hiddenLine>
+            </a:ext>
+            <a:ext uri="{AF507438-7753-43E0-B8FC-AC1667EBCBE1}">
+              <a14:hiddenEffects xmlns:a14="http://schemas.microsoft.com/office/drawing/2010/main">
+                <a:effectLst>
+                  <a:outerShdw dist="35921" dir="2700000" algn="ctr" rotWithShape="0">
+                    <a:schemeClr val="bg2"/>
+                  </a:outerShdw>
+                </a:effectLst>
+              </a14:hiddenEffects>
+            </a:ext>
+          </a:extLst>
+        </p:spPr>
+        <p:txBody>
+          <a:bodyPr vert="horz" wrap="square" lIns="91440" tIns="45720" rIns="91440" bIns="45720" numCol="1" anchor="ctr" anchorCtr="0" compatLnSpc="1">
+            <a:prstTxWarp prst="textNoShape">
+              <a:avLst/>
+            </a:prstTxWarp>
+            <a:spAutoFit/>
+          </a:bodyPr>
+          <a:lstStyle/>
+          <a:p>
+            <a:pPr lvl="0" eaLnBrk="0" fontAlgn="base" hangingPunct="0">
+              <a:spcBef>
+                <a:spcPct val="0"/>
+              </a:spcBef>
+              <a:spcAft>
+                <a:spcPct val="0"/>
+              </a:spcAft>
+              <a:buClrTx/>
+            </a:pPr>
+            <a:r>
+              <a:rPr lang="hu-HU" altLang="hu-HU" sz="1800" b="1" dirty="0" smtClean="0">
+                <a:solidFill>
+                  <a:schemeClr val="bg1"/>
+                </a:solidFill>
+                <a:latin typeface="Arial" panose="020B0604020202020204" pitchFamily="34" charset="0"/>
+              </a:rPr>
+              <a:t>2. </a:t>
+            </a:r>
+            <a:r>
+              <a:rPr lang="hu-HU" altLang="hu-HU" sz="1800" b="1" u="sng" dirty="0" smtClean="0">
+                <a:solidFill>
+                  <a:schemeClr val="bg1"/>
+                </a:solidFill>
+                <a:latin typeface="Arial" panose="020B0604020202020204" pitchFamily="34" charset="0"/>
+              </a:rPr>
+              <a:t>Pontszerzés menete:</a:t>
+            </a:r>
+            <a:endParaRPr lang="hu-HU" altLang="hu-HU" sz="1800" u="sng" dirty="0">
+              <a:solidFill>
+                <a:schemeClr val="bg1"/>
+              </a:solidFill>
+              <a:latin typeface="Arial" panose="020B0604020202020204" pitchFamily="34" charset="0"/>
+            </a:endParaRPr>
+          </a:p>
+          <a:p>
+            <a:pPr marL="285750" lvl="0" indent="-285750" eaLnBrk="0" fontAlgn="base" hangingPunct="0">
+              <a:spcBef>
+                <a:spcPct val="0"/>
+              </a:spcBef>
+              <a:spcAft>
+                <a:spcPct val="0"/>
+              </a:spcAft>
+              <a:buClrTx/>
+              <a:buFont typeface="Wingdings" panose="05000000000000000000" pitchFamily="2" charset="2"/>
+              <a:buChar char="Ø"/>
+            </a:pPr>
+            <a:r>
+              <a:rPr lang="hu-HU" altLang="hu-HU" sz="1800" dirty="0">
+                <a:solidFill>
+                  <a:schemeClr val="bg1"/>
+                </a:solidFill>
+                <a:latin typeface="Arial" panose="020B0604020202020204" pitchFamily="34" charset="0"/>
+              </a:rPr>
+              <a:t>A játékos pontokat szerezhet a következő módon:</a:t>
+            </a:r>
+          </a:p>
+          <a:p>
+            <a:pPr marL="457200" lvl="1" eaLnBrk="0" fontAlgn="base" hangingPunct="0">
+              <a:spcBef>
+                <a:spcPct val="0"/>
+              </a:spcBef>
+              <a:spcAft>
+                <a:spcPct val="0"/>
+              </a:spcAft>
+              <a:buClrTx/>
+              <a:buFontTx/>
+              <a:buChar char="•"/>
+            </a:pPr>
+            <a:r>
+              <a:rPr lang="hu-HU" altLang="hu-HU" sz="1800" dirty="0" smtClean="0">
+                <a:solidFill>
+                  <a:schemeClr val="bg1"/>
+                </a:solidFill>
+                <a:latin typeface="Arial" panose="020B0604020202020204" pitchFamily="34" charset="0"/>
+              </a:rPr>
+              <a:t> Zombik </a:t>
+            </a:r>
+            <a:r>
+              <a:rPr lang="hu-HU" altLang="hu-HU" sz="1800" dirty="0">
+                <a:solidFill>
+                  <a:schemeClr val="bg1"/>
+                </a:solidFill>
+                <a:latin typeface="Arial" panose="020B0604020202020204" pitchFamily="34" charset="0"/>
+              </a:rPr>
+              <a:t>kilövése: Minden egyes zombi kilövése után a játékos +10 pontot kap.</a:t>
+            </a:r>
+          </a:p>
+          <a:p>
+            <a:pPr marL="457200" lvl="1" eaLnBrk="0" fontAlgn="base" hangingPunct="0">
+              <a:spcBef>
+                <a:spcPct val="0"/>
+              </a:spcBef>
+              <a:spcAft>
+                <a:spcPct val="0"/>
+              </a:spcAft>
+              <a:buClrTx/>
+              <a:buFontTx/>
+              <a:buChar char="•"/>
+            </a:pPr>
+            <a:r>
+              <a:rPr lang="hu-HU" altLang="hu-HU" sz="1800" dirty="0" smtClean="0">
+                <a:solidFill>
+                  <a:schemeClr val="bg1"/>
+                </a:solidFill>
+                <a:latin typeface="Arial" panose="020B0604020202020204" pitchFamily="34" charset="0"/>
+              </a:rPr>
+              <a:t> </a:t>
+            </a:r>
+            <a:r>
+              <a:rPr lang="hu-HU" altLang="hu-HU" sz="1800" dirty="0" err="1" smtClean="0">
+                <a:solidFill>
+                  <a:schemeClr val="bg1"/>
+                </a:solidFill>
+                <a:latin typeface="Arial" panose="020B0604020202020204" pitchFamily="34" charset="0"/>
+              </a:rPr>
+              <a:t>Ammo</a:t>
+            </a:r>
+            <a:r>
+              <a:rPr lang="hu-HU" altLang="hu-HU" sz="1800" dirty="0" smtClean="0">
+                <a:solidFill>
+                  <a:schemeClr val="bg1"/>
+                </a:solidFill>
+                <a:latin typeface="Arial" panose="020B0604020202020204" pitchFamily="34" charset="0"/>
+              </a:rPr>
+              <a:t> </a:t>
+            </a:r>
+            <a:r>
+              <a:rPr lang="hu-HU" altLang="hu-HU" sz="1800" dirty="0">
+                <a:solidFill>
+                  <a:schemeClr val="bg1"/>
+                </a:solidFill>
+                <a:latin typeface="Arial" panose="020B0604020202020204" pitchFamily="34" charset="0"/>
+              </a:rPr>
+              <a:t>gyűjtése: Amikor a </a:t>
+            </a:r>
+            <a:r>
+              <a:rPr lang="hu-HU" altLang="hu-HU" sz="1800" dirty="0" smtClean="0">
+                <a:solidFill>
+                  <a:schemeClr val="bg1"/>
+                </a:solidFill>
+                <a:latin typeface="Arial" panose="020B0604020202020204" pitchFamily="34" charset="0"/>
+              </a:rPr>
+              <a:t>játékos felvételi </a:t>
+            </a:r>
+            <a:r>
+              <a:rPr lang="hu-HU" altLang="hu-HU" sz="1800" dirty="0">
+                <a:solidFill>
+                  <a:schemeClr val="bg1"/>
+                </a:solidFill>
+                <a:latin typeface="Arial" panose="020B0604020202020204" pitchFamily="34" charset="0"/>
+              </a:rPr>
+              <a:t>pontot talál, </a:t>
+            </a:r>
+            <a:r>
+              <a:rPr lang="hu-HU" altLang="hu-HU" sz="1800" dirty="0" smtClean="0">
+                <a:solidFill>
+                  <a:schemeClr val="bg1"/>
+                </a:solidFill>
+                <a:latin typeface="Arial" panose="020B0604020202020204" pitchFamily="34" charset="0"/>
+              </a:rPr>
+              <a:t>lőszert </a:t>
+            </a:r>
+            <a:r>
+              <a:rPr lang="hu-HU" altLang="hu-HU" sz="1800" dirty="0">
+                <a:solidFill>
+                  <a:schemeClr val="bg1"/>
+                </a:solidFill>
+                <a:latin typeface="Arial" panose="020B0604020202020204" pitchFamily="34" charset="0"/>
+              </a:rPr>
+              <a:t>kap, ami +5 pontot ér</a:t>
+            </a:r>
+            <a:r>
+              <a:rPr lang="hu-HU" altLang="hu-HU" sz="1800" dirty="0" smtClean="0">
+                <a:solidFill>
+                  <a:schemeClr val="bg1"/>
+                </a:solidFill>
+                <a:latin typeface="Arial" panose="020B0604020202020204" pitchFamily="34" charset="0"/>
+              </a:rPr>
+              <a:t>.</a:t>
+            </a:r>
+          </a:p>
+          <a:p>
+            <a:pPr marL="457200" lvl="1" eaLnBrk="0" fontAlgn="base" hangingPunct="0">
+              <a:spcBef>
+                <a:spcPct val="0"/>
+              </a:spcBef>
+              <a:spcAft>
+                <a:spcPct val="0"/>
+              </a:spcAft>
+              <a:buClrTx/>
+              <a:buFontTx/>
+              <a:buChar char="•"/>
+            </a:pPr>
+            <a:endParaRPr lang="hu-HU" altLang="hu-HU" sz="1800" dirty="0">
+              <a:solidFill>
+                <a:schemeClr val="bg1"/>
+              </a:solidFill>
+              <a:latin typeface="Arial" panose="020B0604020202020204" pitchFamily="34" charset="0"/>
+            </a:endParaRPr>
+          </a:p>
+          <a:p>
+            <a:pPr lvl="0" eaLnBrk="0" fontAlgn="base" hangingPunct="0">
+              <a:spcBef>
+                <a:spcPct val="0"/>
+              </a:spcBef>
+              <a:spcAft>
+                <a:spcPct val="0"/>
+              </a:spcAft>
+              <a:buClrTx/>
+            </a:pPr>
+            <a:r>
+              <a:rPr lang="hu-HU" altLang="hu-HU" sz="1800" b="1" dirty="0" smtClean="0">
+                <a:solidFill>
+                  <a:schemeClr val="bg1"/>
+                </a:solidFill>
+                <a:latin typeface="Arial" panose="020B0604020202020204" pitchFamily="34" charset="0"/>
+              </a:rPr>
+              <a:t>3. </a:t>
+            </a:r>
+            <a:r>
+              <a:rPr lang="hu-HU" altLang="hu-HU" sz="1800" b="1" u="sng" dirty="0" smtClean="0">
+                <a:solidFill>
+                  <a:schemeClr val="bg1"/>
+                </a:solidFill>
+                <a:latin typeface="Arial" panose="020B0604020202020204" pitchFamily="34" charset="0"/>
+              </a:rPr>
+              <a:t>Túlélési idő és nézet:</a:t>
+            </a:r>
+            <a:endParaRPr lang="hu-HU" altLang="hu-HU" sz="1800" b="1" u="sng" dirty="0">
+              <a:solidFill>
+                <a:schemeClr val="bg1"/>
+              </a:solidFill>
+              <a:latin typeface="Arial" panose="020B0604020202020204" pitchFamily="34" charset="0"/>
+            </a:endParaRPr>
+          </a:p>
+          <a:p>
+            <a:pPr marL="285750" marR="0" lvl="0" indent="-285750" algn="l" defTabSz="914400" rtl="0" eaLnBrk="0" fontAlgn="base" latinLnBrk="0" hangingPunct="0">
+              <a:lnSpc>
+                <a:spcPct val="100000"/>
+              </a:lnSpc>
+              <a:spcBef>
+                <a:spcPct val="0"/>
+              </a:spcBef>
+              <a:spcAft>
+                <a:spcPct val="0"/>
+              </a:spcAft>
+              <a:buClrTx/>
+              <a:buSzTx/>
+              <a:buFont typeface="Wingdings" panose="05000000000000000000" pitchFamily="2" charset="2"/>
+              <a:buChar char="Ø"/>
+              <a:tabLst/>
+            </a:pPr>
+            <a:r>
+              <a:rPr kumimoji="0" lang="hu-HU" altLang="hu-HU" sz="1800" b="0" i="0" u="none" strike="noStrike" cap="none" normalizeH="0" baseline="0" dirty="0" smtClean="0">
+                <a:ln>
+                  <a:noFill/>
+                </a:ln>
+                <a:solidFill>
+                  <a:schemeClr val="bg1"/>
+                </a:solidFill>
+                <a:effectLst/>
+                <a:latin typeface="Arial" panose="020B0604020202020204" pitchFamily="34" charset="0"/>
+              </a:rPr>
+              <a:t>A játék fő célja a túlélés, minél</a:t>
+            </a:r>
+            <a:r>
+              <a:rPr kumimoji="0" lang="hu-HU" altLang="hu-HU" sz="1800" b="0" i="0" u="none" strike="noStrike" cap="none" normalizeH="0" dirty="0" smtClean="0">
+                <a:ln>
+                  <a:noFill/>
+                </a:ln>
+                <a:solidFill>
+                  <a:schemeClr val="bg1"/>
+                </a:solidFill>
+                <a:effectLst/>
+                <a:latin typeface="Arial" panose="020B0604020202020204" pitchFamily="34" charset="0"/>
+              </a:rPr>
+              <a:t> hosszabb ideig életben maradni.</a:t>
+            </a:r>
+          </a:p>
+          <a:p>
+            <a:pPr marL="285750" lvl="0" indent="-285750" eaLnBrk="0" fontAlgn="base" hangingPunct="0">
+              <a:spcBef>
+                <a:spcPct val="0"/>
+              </a:spcBef>
+              <a:spcAft>
+                <a:spcPct val="0"/>
+              </a:spcAft>
+              <a:buClrTx/>
+              <a:buFont typeface="Wingdings" panose="05000000000000000000" pitchFamily="2" charset="2"/>
+              <a:buChar char="Ø"/>
+            </a:pPr>
+            <a:r>
+              <a:rPr lang="hu-HU" sz="1800" dirty="0" smtClean="0">
+                <a:solidFill>
+                  <a:schemeClr val="bg1"/>
+                </a:solidFill>
+              </a:rPr>
+              <a:t>A </a:t>
+            </a:r>
+            <a:r>
+              <a:rPr lang="hu-HU" sz="1800" dirty="0">
+                <a:solidFill>
+                  <a:schemeClr val="bg1"/>
+                </a:solidFill>
+              </a:rPr>
+              <a:t>játék során az idő mérése történik annak érdekében, hogy a felhasználó nyomon követhesse, hogy meddig maradt életben</a:t>
+            </a:r>
+            <a:r>
+              <a:rPr lang="hu-HU" sz="1800" dirty="0" smtClean="0">
+                <a:solidFill>
+                  <a:schemeClr val="bg1"/>
+                </a:solidFill>
+              </a:rPr>
+              <a:t>.</a:t>
+            </a:r>
+          </a:p>
+          <a:p>
+            <a:pPr marL="285750" indent="-285750" eaLnBrk="0" fontAlgn="base" hangingPunct="0">
+              <a:spcBef>
+                <a:spcPct val="0"/>
+              </a:spcBef>
+              <a:spcAft>
+                <a:spcPct val="0"/>
+              </a:spcAft>
+              <a:buClrTx/>
+              <a:buFont typeface="Wingdings" panose="05000000000000000000" pitchFamily="2" charset="2"/>
+              <a:buChar char="Ø"/>
+            </a:pPr>
+            <a:r>
+              <a:rPr lang="hu-HU" altLang="hu-HU" sz="1800" dirty="0">
+                <a:solidFill>
+                  <a:schemeClr val="bg1"/>
+                </a:solidFill>
+                <a:latin typeface="Arial" panose="020B0604020202020204" pitchFamily="34" charset="0"/>
+              </a:rPr>
+              <a:t>Felülnézetből követhetjük a játék menetét</a:t>
+            </a:r>
+            <a:r>
+              <a:rPr lang="hu-HU" altLang="hu-HU" sz="1800" dirty="0" smtClean="0">
+                <a:solidFill>
+                  <a:schemeClr val="bg1"/>
+                </a:solidFill>
+                <a:latin typeface="Arial" panose="020B0604020202020204" pitchFamily="34" charset="0"/>
+              </a:rPr>
+              <a:t>.</a:t>
+            </a:r>
+            <a:endParaRPr lang="hu-HU" altLang="hu-HU" sz="1800" dirty="0">
+              <a:solidFill>
+                <a:schemeClr val="bg1"/>
+              </a:solidFill>
+              <a:latin typeface="Arial" panose="020B0604020202020204" pitchFamily="34" charset="0"/>
+            </a:endParaRPr>
+          </a:p>
+          <a:p>
+            <a:pPr marR="0" lvl="0" algn="l" defTabSz="914400" rtl="0" eaLnBrk="0" fontAlgn="base" latinLnBrk="0" hangingPunct="0">
+              <a:lnSpc>
+                <a:spcPct val="100000"/>
+              </a:lnSpc>
+              <a:spcBef>
+                <a:spcPct val="0"/>
+              </a:spcBef>
+              <a:spcAft>
+                <a:spcPct val="0"/>
+              </a:spcAft>
+              <a:buClrTx/>
+              <a:buSzTx/>
+              <a:tabLst/>
+            </a:pPr>
+            <a:endParaRPr kumimoji="0" lang="hu-HU" altLang="hu-HU" sz="1600" b="0" i="0" u="none" strike="noStrike" cap="none" normalizeH="0" baseline="0" dirty="0" smtClean="0">
+              <a:ln>
+                <a:noFill/>
+              </a:ln>
+              <a:solidFill>
+                <a:schemeClr val="bg1"/>
+              </a:solidFill>
+              <a:effectLst/>
+              <a:latin typeface="Arial" panose="020B0604020202020204" pitchFamily="34" charset="0"/>
+            </a:endParaRPr>
+          </a:p>
+          <a:p>
+            <a:pPr marL="0" marR="0" lvl="0" indent="0" algn="l" defTabSz="914400" rtl="0" eaLnBrk="0" fontAlgn="base" latinLnBrk="0" hangingPunct="0">
+              <a:lnSpc>
+                <a:spcPct val="100000"/>
+              </a:lnSpc>
+              <a:spcBef>
+                <a:spcPct val="0"/>
+              </a:spcBef>
+              <a:spcAft>
+                <a:spcPct val="0"/>
+              </a:spcAft>
+              <a:buClrTx/>
+              <a:buSzTx/>
+              <a:buFontTx/>
+              <a:buNone/>
+              <a:tabLst/>
+            </a:pPr>
+            <a:endParaRPr kumimoji="0" lang="hu-HU" altLang="hu-HU" sz="1200" b="0" i="0" u="none" strike="noStrike" cap="none" normalizeH="0" baseline="0" dirty="0" smtClean="0">
+              <a:ln>
+                <a:noFill/>
+              </a:ln>
+              <a:solidFill>
+                <a:schemeClr val="tx1"/>
+              </a:solidFill>
+              <a:effectLst/>
+              <a:latin typeface="Arial" panose="020B0604020202020204" pitchFamily="34" charset="0"/>
+            </a:endParaRPr>
+          </a:p>
+        </p:txBody>
+      </p:sp>
+    </p:spTree>
+    <p:extLst>
+      <p:ext uri="{BB962C8B-B14F-4D97-AF65-F5344CB8AC3E}">
+        <p14:creationId xmlns:p14="http://schemas.microsoft.com/office/powerpoint/2010/main" val="1097191873"/>
+      </p:ext>
+    </p:extLst>
+  </p:cSld>
+  <p:clrMapOvr>
+    <a:masterClrMapping/>
+  </p:clrMapOvr>
+  <p:timing>
+    <p:tnLst>
+      <p:par>
+        <p:cTn id="1" dur="indefinite" restart="never" nodeType="tmRoot"/>
+      </p:par>
+    </p:tnLst>
+  </p:timing>
+</p:sld>
+</file>
+
+<file path=ppt/slides/slide8.xml><?xml version="1.0" encoding="utf-8"?>
+<p:sld xmlns:a="http://schemas.openxmlformats.org/drawingml/2006/main" xmlns:r="http://schemas.openxmlformats.org/officeDocument/2006/relationships" xmlns:p="http://schemas.openxmlformats.org/presentationml/2006/main">
+  <p:cSld>
+    <p:spTree>
+      <p:nvGrpSpPr>
         <p:cNvPr id="1" name="Shape 1223"/>
         <p:cNvGrpSpPr/>
         <p:nvPr/>
@@ -28781,7 +31022,7 @@
 </p:sld>
 </file>
 
-<file path=ppt/slides/slide8.xml><?xml version="1.0" encoding="utf-8"?>
+<file path=ppt/slides/slide9.xml><?xml version="1.0" encoding="utf-8"?>
 <p:sld xmlns:a="http://schemas.openxmlformats.org/drawingml/2006/main" xmlns:r="http://schemas.openxmlformats.org/officeDocument/2006/relationships" xmlns:p="http://schemas.openxmlformats.org/presentationml/2006/main">
   <p:cSld>
     <p:spTree>
@@ -29715,1728 +31956,6 @@
 </p:sld>
 </file>
 
-<file path=ppt/slides/slide9.xml><?xml version="1.0" encoding="utf-8"?>
-<p:sld xmlns:a="http://schemas.openxmlformats.org/drawingml/2006/main" xmlns:r="http://schemas.openxmlformats.org/officeDocument/2006/relationships" xmlns:p="http://schemas.openxmlformats.org/presentationml/2006/main">
-  <p:cSld>
-    <p:spTree>
-      <p:nvGrpSpPr>
-        <p:cNvPr id="1" name=""/>
-        <p:cNvGrpSpPr/>
-        <p:nvPr/>
-      </p:nvGrpSpPr>
-      <p:grpSpPr>
-        <a:xfrm>
-          <a:off x="0" y="0"/>
-          <a:ext cx="0" cy="0"/>
-          <a:chOff x="0" y="0"/>
-          <a:chExt cx="0" cy="0"/>
-        </a:xfrm>
-      </p:grpSpPr>
-      <p:sp>
-        <p:nvSpPr>
-          <p:cNvPr id="2" name="Cím 1"/>
-          <p:cNvSpPr>
-            <a:spLocks noGrp="1"/>
-          </p:cNvSpPr>
-          <p:nvPr>
-            <p:ph type="title"/>
-          </p:nvPr>
-        </p:nvSpPr>
-        <p:spPr>
-          <a:xfrm>
-            <a:off x="155743" y="311147"/>
-            <a:ext cx="5690302" cy="517431"/>
-          </a:xfrm>
-        </p:spPr>
-        <p:txBody>
-          <a:bodyPr/>
-          <a:lstStyle/>
-          <a:p>
-            <a:pPr algn="l"/>
-            <a:r>
-              <a:rPr lang="hu-HU" sz="5400" spc="300" dirty="0" smtClean="0">
-                <a:latin typeface="Times New Roman" panose="02020603050405020304" pitchFamily="18" charset="0"/>
-                <a:cs typeface="Times New Roman" panose="02020603050405020304" pitchFamily="18" charset="0"/>
-              </a:rPr>
-              <a:t>Technológia:</a:t>
-            </a:r>
-            <a:endParaRPr lang="hu-HU" sz="5400" spc="300" dirty="0">
-              <a:latin typeface="Times New Roman" panose="02020603050405020304" pitchFamily="18" charset="0"/>
-              <a:cs typeface="Times New Roman" panose="02020603050405020304" pitchFamily="18" charset="0"/>
-            </a:endParaRPr>
-          </a:p>
-        </p:txBody>
-      </p:sp>
-      <p:sp>
-        <p:nvSpPr>
-          <p:cNvPr id="3" name="Szövegdoboz 2"/>
-          <p:cNvSpPr txBox="1"/>
-          <p:nvPr/>
-        </p:nvSpPr>
-        <p:spPr>
-          <a:xfrm>
-            <a:off x="134236" y="941970"/>
-            <a:ext cx="3654982" cy="307777"/>
-          </a:xfrm>
-          <a:prstGeom prst="rect">
-            <a:avLst/>
-          </a:prstGeom>
-          <a:noFill/>
-        </p:spPr>
-        <p:txBody>
-          <a:bodyPr wrap="square" rtlCol="0">
-            <a:spAutoFit/>
-          </a:bodyPr>
-          <a:lstStyle/>
-          <a:p>
-            <a:pPr marL="285750" indent="-285750">
-              <a:buFont typeface="Arial" panose="020B0604020202020204" pitchFamily="34" charset="0"/>
-              <a:buChar char="•"/>
-            </a:pPr>
-            <a:endParaRPr lang="hu-HU" dirty="0"/>
-          </a:p>
-        </p:txBody>
-      </p:sp>
-      <p:sp>
-        <p:nvSpPr>
-          <p:cNvPr id="5" name="Rectangle 2"/>
-          <p:cNvSpPr>
-            <a:spLocks noChangeArrowheads="1"/>
-          </p:cNvSpPr>
-          <p:nvPr/>
-        </p:nvSpPr>
-        <p:spPr bwMode="auto">
-          <a:xfrm>
-            <a:off x="138476" y="958312"/>
-            <a:ext cx="4241549" cy="338554"/>
-          </a:xfrm>
-          <a:prstGeom prst="rect">
-            <a:avLst/>
-          </a:prstGeom>
-          <a:noFill/>
-          <a:ln>
-            <a:noFill/>
-          </a:ln>
-          <a:effectLst/>
-          <a:extLst>
-            <a:ext uri="{909E8E84-426E-40DD-AFC4-6F175D3DCCD1}">
-              <a14:hiddenFill xmlns:a14="http://schemas.microsoft.com/office/drawing/2010/main">
-                <a:solidFill>
-                  <a:schemeClr val="accent1"/>
-                </a:solidFill>
-              </a14:hiddenFill>
-            </a:ext>
-            <a:ext uri="{91240B29-F687-4F45-9708-019B960494DF}">
-              <a14:hiddenLine xmlns:a14="http://schemas.microsoft.com/office/drawing/2010/main" w="9525">
-                <a:solidFill>
-                  <a:schemeClr val="tx1"/>
-                </a:solidFill>
-                <a:miter lim="800000"/>
-                <a:headEnd/>
-                <a:tailEnd/>
-              </a14:hiddenLine>
-            </a:ext>
-            <a:ext uri="{AF507438-7753-43E0-B8FC-AC1667EBCBE1}">
-              <a14:hiddenEffects xmlns:a14="http://schemas.microsoft.com/office/drawing/2010/main">
-                <a:effectLst>
-                  <a:outerShdw dist="35921" dir="2700000" algn="ctr" rotWithShape="0">
-                    <a:schemeClr val="bg2"/>
-                  </a:outerShdw>
-                </a:effectLst>
-              </a14:hiddenEffects>
-            </a:ext>
-          </a:extLst>
-        </p:spPr>
-        <p:txBody>
-          <a:bodyPr vert="horz" wrap="square" lIns="91440" tIns="45720" rIns="91440" bIns="45720" numCol="1" anchor="ctr" anchorCtr="0" compatLnSpc="1">
-            <a:prstTxWarp prst="textNoShape">
-              <a:avLst/>
-            </a:prstTxWarp>
-            <a:spAutoFit/>
-          </a:bodyPr>
-          <a:lstStyle/>
-          <a:p>
-            <a:pPr marL="0" marR="0" lvl="0" indent="0" algn="l" defTabSz="914400" rtl="0" eaLnBrk="0" fontAlgn="base" latinLnBrk="0" hangingPunct="0">
-              <a:lnSpc>
-                <a:spcPct val="100000"/>
-              </a:lnSpc>
-              <a:spcBef>
-                <a:spcPct val="0"/>
-              </a:spcBef>
-              <a:spcAft>
-                <a:spcPct val="0"/>
-              </a:spcAft>
-              <a:buClrTx/>
-              <a:buSzTx/>
-              <a:buFontTx/>
-              <a:buNone/>
-              <a:tabLst/>
-            </a:pPr>
-            <a:r>
-              <a:rPr kumimoji="0" lang="hu-HU" altLang="hu-HU" sz="1600" b="1" i="0" u="sng" strike="noStrike" cap="none" normalizeH="0" baseline="0" dirty="0" err="1" smtClean="0">
-                <a:ln>
-                  <a:noFill/>
-                </a:ln>
-                <a:solidFill>
-                  <a:schemeClr val="tx1"/>
-                </a:solidFill>
-                <a:effectLst/>
-                <a:latin typeface="Arial" panose="020B0604020202020204" pitchFamily="34" charset="0"/>
-              </a:rPr>
-              <a:t>WinForms</a:t>
-            </a:r>
-            <a:r>
-              <a:rPr kumimoji="0" lang="hu-HU" altLang="hu-HU" sz="1600" b="1" i="0" u="sng" strike="noStrike" cap="none" normalizeH="0" baseline="0" dirty="0" smtClean="0">
-                <a:ln>
-                  <a:noFill/>
-                </a:ln>
-                <a:solidFill>
-                  <a:schemeClr val="tx1"/>
-                </a:solidFill>
-                <a:effectLst/>
-                <a:latin typeface="Arial" panose="020B0604020202020204" pitchFamily="34" charset="0"/>
-              </a:rPr>
-              <a:t> – </a:t>
-            </a:r>
-            <a:r>
-              <a:rPr kumimoji="0" lang="hu-HU" altLang="hu-HU" sz="1600" b="1" i="0" u="sng" strike="noStrike" cap="none" normalizeH="0" baseline="0" dirty="0" err="1" smtClean="0">
-                <a:ln>
-                  <a:noFill/>
-                </a:ln>
-                <a:solidFill>
-                  <a:schemeClr val="tx1"/>
-                </a:solidFill>
-                <a:effectLst/>
-                <a:latin typeface="Arial" panose="020B0604020202020204" pitchFamily="34" charset="0"/>
-              </a:rPr>
-              <a:t>ban</a:t>
-            </a:r>
-            <a:r>
-              <a:rPr kumimoji="0" lang="hu-HU" altLang="hu-HU" sz="1600" b="1" i="0" u="sng" strike="noStrike" cap="none" normalizeH="0" baseline="0" dirty="0" smtClean="0">
-                <a:ln>
-                  <a:noFill/>
-                </a:ln>
-                <a:solidFill>
-                  <a:schemeClr val="tx1"/>
-                </a:solidFill>
-                <a:effectLst/>
-                <a:latin typeface="Arial" panose="020B0604020202020204" pitchFamily="34" charset="0"/>
-              </a:rPr>
-              <a:t> néhány</a:t>
-            </a:r>
-            <a:r>
-              <a:rPr kumimoji="0" lang="hu-HU" altLang="hu-HU" sz="1600" b="1" i="0" u="sng" strike="noStrike" cap="none" normalizeH="0" dirty="0" smtClean="0">
-                <a:ln>
-                  <a:noFill/>
-                </a:ln>
-                <a:solidFill>
-                  <a:schemeClr val="tx1"/>
-                </a:solidFill>
-                <a:effectLst/>
-                <a:latin typeface="Arial" panose="020B0604020202020204" pitchFamily="34" charset="0"/>
-              </a:rPr>
-              <a:t> felhasznált elem:</a:t>
-            </a:r>
-            <a:endParaRPr kumimoji="0" lang="hu-HU" altLang="hu-HU" sz="1600" b="1" i="0" u="sng" strike="noStrike" cap="none" normalizeH="0" baseline="0" dirty="0" smtClean="0">
-              <a:ln>
-                <a:noFill/>
-              </a:ln>
-              <a:solidFill>
-                <a:schemeClr val="tx1"/>
-              </a:solidFill>
-              <a:effectLst/>
-              <a:latin typeface="Arial" panose="020B0604020202020204" pitchFamily="34" charset="0"/>
-            </a:endParaRPr>
-          </a:p>
-        </p:txBody>
-      </p:sp>
-      <p:pic>
-        <p:nvPicPr>
-          <p:cNvPr id="4" name="Kép 3"/>
-          <p:cNvPicPr>
-            <a:picLocks/>
-          </p:cNvPicPr>
-          <p:nvPr/>
-        </p:nvPicPr>
-        <p:blipFill>
-          <a:blip r:embed="rId2">
-            <a:extLst>
-              <a:ext uri="{28A0092B-C50C-407E-A947-70E740481C1C}">
-                <a14:useLocalDpi xmlns:a14="http://schemas.microsoft.com/office/drawing/2010/main" val="0"/>
-              </a:ext>
-            </a:extLst>
-          </a:blip>
-          <a:stretch>
-            <a:fillRect/>
-          </a:stretch>
-        </p:blipFill>
-        <p:spPr>
-          <a:xfrm>
-            <a:off x="1766454" y="1695968"/>
-            <a:ext cx="5076000" cy="3024000"/>
-          </a:xfrm>
-          <a:prstGeom prst="rect">
-            <a:avLst/>
-          </a:prstGeom>
-        </p:spPr>
-      </p:pic>
-      <p:cxnSp>
-        <p:nvCxnSpPr>
-          <p:cNvPr id="9" name="Egyenes összekötő nyíllal 8"/>
-          <p:cNvCxnSpPr/>
-          <p:nvPr/>
-        </p:nvCxnSpPr>
-        <p:spPr>
-          <a:xfrm>
-            <a:off x="907473" y="1870363"/>
-            <a:ext cx="792000" cy="72000"/>
-          </a:xfrm>
-          <a:prstGeom prst="straightConnector1">
-            <a:avLst/>
-          </a:prstGeom>
-          <a:ln>
-            <a:tailEnd type="triangle"/>
-          </a:ln>
-        </p:spPr>
-        <p:style>
-          <a:lnRef idx="3">
-            <a:schemeClr val="dk1"/>
-          </a:lnRef>
-          <a:fillRef idx="0">
-            <a:schemeClr val="dk1"/>
-          </a:fillRef>
-          <a:effectRef idx="2">
-            <a:schemeClr val="dk1"/>
-          </a:effectRef>
-          <a:fontRef idx="minor">
-            <a:schemeClr val="tx1"/>
-          </a:fontRef>
-        </p:style>
-      </p:cxnSp>
-      <p:sp>
-        <p:nvSpPr>
-          <p:cNvPr id="10" name="Szövegdoboz 9"/>
-          <p:cNvSpPr txBox="1"/>
-          <p:nvPr/>
-        </p:nvSpPr>
-        <p:spPr>
-          <a:xfrm>
-            <a:off x="-1" y="1695968"/>
-            <a:ext cx="1323109" cy="1631216"/>
-          </a:xfrm>
-          <a:prstGeom prst="rect">
-            <a:avLst/>
-          </a:prstGeom>
-          <a:noFill/>
-        </p:spPr>
-        <p:txBody>
-          <a:bodyPr wrap="square" rtlCol="0">
-            <a:spAutoFit/>
-          </a:bodyPr>
-          <a:lstStyle/>
-          <a:p>
-            <a:r>
-              <a:rPr lang="hu-HU" dirty="0">
-                <a:solidFill>
-                  <a:schemeClr val="tx1"/>
-                </a:solidFill>
-              </a:rPr>
-              <a:t> </a:t>
-            </a:r>
-            <a:r>
-              <a:rPr lang="hu-HU" dirty="0" smtClean="0">
-                <a:solidFill>
-                  <a:schemeClr val="tx1"/>
-                </a:solidFill>
-              </a:rPr>
-              <a:t>   </a:t>
-            </a:r>
-            <a:r>
-              <a:rPr lang="hu-HU" sz="1800" b="1" dirty="0" err="1" smtClean="0">
-                <a:solidFill>
-                  <a:schemeClr val="tx1"/>
-                </a:solidFill>
-              </a:rPr>
-              <a:t>Label</a:t>
-            </a:r>
-            <a:endParaRPr lang="hu-HU" sz="1800" b="1" dirty="0" smtClean="0">
-              <a:solidFill>
-                <a:schemeClr val="tx1"/>
-              </a:solidFill>
-            </a:endParaRPr>
-          </a:p>
-          <a:p>
-            <a:endParaRPr lang="hu-HU" sz="1000" dirty="0" smtClean="0">
-              <a:solidFill>
-                <a:schemeClr val="tx1"/>
-              </a:solidFill>
-            </a:endParaRPr>
-          </a:p>
-          <a:p>
-            <a:r>
-              <a:rPr lang="hu-HU" sz="1800" dirty="0" err="1" smtClean="0">
-                <a:solidFill>
-                  <a:schemeClr val="tx1"/>
-                </a:solidFill>
-              </a:rPr>
-              <a:t>pl</a:t>
-            </a:r>
-            <a:r>
-              <a:rPr lang="hu-HU" sz="1800" dirty="0" smtClean="0">
-                <a:solidFill>
-                  <a:schemeClr val="tx1"/>
-                </a:solidFill>
-              </a:rPr>
-              <a:t>: </a:t>
-            </a:r>
-          </a:p>
-          <a:p>
-            <a:pPr marL="285750" indent="-285750">
-              <a:buFont typeface="Wingdings" panose="05000000000000000000" pitchFamily="2" charset="2"/>
-              <a:buChar char="q"/>
-            </a:pPr>
-            <a:r>
-              <a:rPr lang="hu-HU" sz="1800" dirty="0" err="1" smtClean="0">
-                <a:solidFill>
-                  <a:schemeClr val="tx1"/>
-                </a:solidFill>
-              </a:rPr>
-              <a:t>Ammo</a:t>
-            </a:r>
-            <a:endParaRPr lang="hu-HU" sz="1800" dirty="0" smtClean="0">
-              <a:solidFill>
-                <a:schemeClr val="tx1"/>
-              </a:solidFill>
-            </a:endParaRPr>
-          </a:p>
-          <a:p>
-            <a:pPr marL="285750" indent="-285750">
-              <a:buFont typeface="Wingdings" panose="05000000000000000000" pitchFamily="2" charset="2"/>
-              <a:buChar char="q"/>
-            </a:pPr>
-            <a:r>
-              <a:rPr lang="hu-HU" sz="1800" dirty="0" err="1" smtClean="0">
-                <a:solidFill>
-                  <a:schemeClr val="tx1"/>
-                </a:solidFill>
-              </a:rPr>
-              <a:t>Kills</a:t>
-            </a:r>
-            <a:endParaRPr lang="hu-HU" sz="1800" dirty="0" smtClean="0">
-              <a:solidFill>
-                <a:schemeClr val="tx1"/>
-              </a:solidFill>
-            </a:endParaRPr>
-          </a:p>
-          <a:p>
-            <a:pPr marL="285750" indent="-285750">
-              <a:buFont typeface="Wingdings" panose="05000000000000000000" pitchFamily="2" charset="2"/>
-              <a:buChar char="q"/>
-            </a:pPr>
-            <a:r>
-              <a:rPr lang="hu-HU" sz="1800" dirty="0" err="1" smtClean="0">
-                <a:solidFill>
-                  <a:schemeClr val="tx1"/>
-                </a:solidFill>
-              </a:rPr>
-              <a:t>Score</a:t>
-            </a:r>
-            <a:endParaRPr lang="hu-HU" sz="1800" dirty="0" smtClean="0">
-              <a:solidFill>
-                <a:schemeClr val="tx1"/>
-              </a:solidFill>
-            </a:endParaRPr>
-          </a:p>
-        </p:txBody>
-      </p:sp>
-      <p:cxnSp>
-        <p:nvCxnSpPr>
-          <p:cNvPr id="16" name="Egyenes összekötő nyíllal 15"/>
-          <p:cNvCxnSpPr>
-            <a:stCxn id="20" idx="1"/>
-          </p:cNvCxnSpPr>
-          <p:nvPr/>
-        </p:nvCxnSpPr>
-        <p:spPr>
-          <a:xfrm flipH="1" flipV="1">
-            <a:off x="6712529" y="2005244"/>
-            <a:ext cx="630380" cy="217967"/>
-          </a:xfrm>
-          <a:prstGeom prst="straightConnector1">
-            <a:avLst/>
-          </a:prstGeom>
-          <a:ln>
-            <a:tailEnd type="triangle"/>
-          </a:ln>
-        </p:spPr>
-        <p:style>
-          <a:lnRef idx="3">
-            <a:schemeClr val="dk1"/>
-          </a:lnRef>
-          <a:fillRef idx="0">
-            <a:schemeClr val="dk1"/>
-          </a:fillRef>
-          <a:effectRef idx="2">
-            <a:schemeClr val="dk1"/>
-          </a:effectRef>
-          <a:fontRef idx="minor">
-            <a:schemeClr val="tx1"/>
-          </a:fontRef>
-        </p:style>
-      </p:cxnSp>
-      <p:sp>
-        <p:nvSpPr>
-          <p:cNvPr id="20" name="Szövegdoboz 19"/>
-          <p:cNvSpPr txBox="1"/>
-          <p:nvPr/>
-        </p:nvSpPr>
-        <p:spPr>
-          <a:xfrm>
-            <a:off x="7342909" y="1900045"/>
-            <a:ext cx="1614057" cy="646331"/>
-          </a:xfrm>
-          <a:prstGeom prst="rect">
-            <a:avLst/>
-          </a:prstGeom>
-          <a:noFill/>
-        </p:spPr>
-        <p:txBody>
-          <a:bodyPr wrap="square" rtlCol="0">
-            <a:spAutoFit/>
-          </a:bodyPr>
-          <a:lstStyle/>
-          <a:p>
-            <a:r>
-              <a:rPr lang="hu-HU" sz="1800" b="1" dirty="0" err="1" smtClean="0">
-                <a:solidFill>
-                  <a:schemeClr val="tx1"/>
-                </a:solidFill>
-              </a:rPr>
-              <a:t>ProgressBar</a:t>
-            </a:r>
-            <a:endParaRPr lang="hu-HU" sz="1800" b="1" dirty="0" smtClean="0">
-              <a:solidFill>
-                <a:schemeClr val="tx1"/>
-              </a:solidFill>
-            </a:endParaRPr>
-          </a:p>
-          <a:p>
-            <a:r>
-              <a:rPr lang="hu-HU" sz="1800" dirty="0" smtClean="0">
-                <a:solidFill>
-                  <a:schemeClr val="tx1"/>
-                </a:solidFill>
-              </a:rPr>
-              <a:t>(</a:t>
-            </a:r>
-            <a:r>
-              <a:rPr lang="hu-HU" sz="1800" dirty="0" err="1" smtClean="0">
-                <a:solidFill>
-                  <a:schemeClr val="tx1"/>
-                </a:solidFill>
-              </a:rPr>
-              <a:t>pl</a:t>
-            </a:r>
-            <a:r>
-              <a:rPr lang="hu-HU" sz="1800" dirty="0" smtClean="0">
-                <a:solidFill>
-                  <a:schemeClr val="tx1"/>
-                </a:solidFill>
-              </a:rPr>
-              <a:t>: Health)</a:t>
-            </a:r>
-            <a:endParaRPr lang="hu-HU" sz="1800" dirty="0">
-              <a:solidFill>
-                <a:schemeClr val="tx1"/>
-              </a:solidFill>
-            </a:endParaRPr>
-          </a:p>
-        </p:txBody>
-      </p:sp>
-      <p:cxnSp>
-        <p:nvCxnSpPr>
-          <p:cNvPr id="22" name="Egyenes összekötő nyíllal 21"/>
-          <p:cNvCxnSpPr/>
-          <p:nvPr/>
-        </p:nvCxnSpPr>
-        <p:spPr>
-          <a:xfrm flipH="1">
-            <a:off x="5091547" y="1330036"/>
-            <a:ext cx="547253" cy="511479"/>
-          </a:xfrm>
-          <a:prstGeom prst="straightConnector1">
-            <a:avLst/>
-          </a:prstGeom>
-          <a:ln>
-            <a:tailEnd type="triangle"/>
-          </a:ln>
-        </p:spPr>
-        <p:style>
-          <a:lnRef idx="3">
-            <a:schemeClr val="dk1"/>
-          </a:lnRef>
-          <a:fillRef idx="0">
-            <a:schemeClr val="dk1"/>
-          </a:fillRef>
-          <a:effectRef idx="2">
-            <a:schemeClr val="dk1"/>
-          </a:effectRef>
-          <a:fontRef idx="minor">
-            <a:schemeClr val="tx1"/>
-          </a:fontRef>
-        </p:style>
-      </p:cxnSp>
-      <p:sp>
-        <p:nvSpPr>
-          <p:cNvPr id="27" name="Szövegdoboz 26"/>
-          <p:cNvSpPr txBox="1"/>
-          <p:nvPr/>
-        </p:nvSpPr>
-        <p:spPr>
-          <a:xfrm>
-            <a:off x="5638800" y="1010545"/>
-            <a:ext cx="1787236" cy="646331"/>
-          </a:xfrm>
-          <a:prstGeom prst="rect">
-            <a:avLst/>
-          </a:prstGeom>
-          <a:noFill/>
-        </p:spPr>
-        <p:txBody>
-          <a:bodyPr wrap="square" rtlCol="0">
-            <a:spAutoFit/>
-          </a:bodyPr>
-          <a:lstStyle/>
-          <a:p>
-            <a:r>
-              <a:rPr lang="hu-HU" sz="1800" b="1" dirty="0" err="1" smtClean="0">
-                <a:solidFill>
-                  <a:schemeClr val="tx1"/>
-                </a:solidFill>
-              </a:rPr>
-              <a:t>Timer</a:t>
-            </a:r>
-            <a:endParaRPr lang="hu-HU" sz="1800" b="1" dirty="0" smtClean="0">
-              <a:solidFill>
-                <a:schemeClr val="tx1"/>
-              </a:solidFill>
-            </a:endParaRPr>
-          </a:p>
-          <a:p>
-            <a:r>
-              <a:rPr lang="hu-HU" sz="1800" dirty="0" smtClean="0">
-                <a:solidFill>
-                  <a:schemeClr val="tx1"/>
-                </a:solidFill>
-              </a:rPr>
-              <a:t>(</a:t>
-            </a:r>
-            <a:r>
-              <a:rPr lang="hu-HU" sz="1800" dirty="0" err="1" smtClean="0">
-                <a:solidFill>
-                  <a:schemeClr val="tx1"/>
-                </a:solidFill>
-              </a:rPr>
-              <a:t>pl</a:t>
-            </a:r>
-            <a:r>
-              <a:rPr lang="hu-HU" sz="1800" dirty="0" smtClean="0">
-                <a:solidFill>
-                  <a:schemeClr val="tx1"/>
-                </a:solidFill>
-              </a:rPr>
-              <a:t>: Time)</a:t>
-            </a:r>
-            <a:endParaRPr lang="hu-HU" sz="1800" dirty="0">
-              <a:solidFill>
-                <a:schemeClr val="tx1"/>
-              </a:solidFill>
-            </a:endParaRPr>
-          </a:p>
-        </p:txBody>
-      </p:sp>
-      <p:cxnSp>
-        <p:nvCxnSpPr>
-          <p:cNvPr id="28" name="Egyenes összekötő nyíllal 27"/>
-          <p:cNvCxnSpPr/>
-          <p:nvPr/>
-        </p:nvCxnSpPr>
-        <p:spPr>
-          <a:xfrm flipH="1">
-            <a:off x="4475018" y="3532909"/>
-            <a:ext cx="2708565" cy="394855"/>
-          </a:xfrm>
-          <a:prstGeom prst="straightConnector1">
-            <a:avLst/>
-          </a:prstGeom>
-          <a:ln>
-            <a:tailEnd type="triangle"/>
-          </a:ln>
-        </p:spPr>
-        <p:style>
-          <a:lnRef idx="3">
-            <a:schemeClr val="dk1"/>
-          </a:lnRef>
-          <a:fillRef idx="0">
-            <a:schemeClr val="dk1"/>
-          </a:fillRef>
-          <a:effectRef idx="2">
-            <a:schemeClr val="dk1"/>
-          </a:effectRef>
-          <a:fontRef idx="minor">
-            <a:schemeClr val="tx1"/>
-          </a:fontRef>
-        </p:style>
-      </p:cxnSp>
-      <p:cxnSp>
-        <p:nvCxnSpPr>
-          <p:cNvPr id="31" name="Egyenes összekötő nyíllal 30"/>
-          <p:cNvCxnSpPr/>
-          <p:nvPr/>
-        </p:nvCxnSpPr>
-        <p:spPr>
-          <a:xfrm flipH="1" flipV="1">
-            <a:off x="3456709" y="3103418"/>
-            <a:ext cx="3643746" cy="146675"/>
-          </a:xfrm>
-          <a:prstGeom prst="straightConnector1">
-            <a:avLst/>
-          </a:prstGeom>
-          <a:ln>
-            <a:tailEnd type="triangle"/>
-          </a:ln>
-        </p:spPr>
-        <p:style>
-          <a:lnRef idx="3">
-            <a:schemeClr val="dk1"/>
-          </a:lnRef>
-          <a:fillRef idx="0">
-            <a:schemeClr val="dk1"/>
-          </a:fillRef>
-          <a:effectRef idx="2">
-            <a:schemeClr val="dk1"/>
-          </a:effectRef>
-          <a:fontRef idx="minor">
-            <a:schemeClr val="tx1"/>
-          </a:fontRef>
-        </p:style>
-      </p:cxnSp>
-      <p:sp>
-        <p:nvSpPr>
-          <p:cNvPr id="34" name="Szövegdoboz 33"/>
-          <p:cNvSpPr txBox="1"/>
-          <p:nvPr/>
-        </p:nvSpPr>
-        <p:spPr>
-          <a:xfrm>
-            <a:off x="7183583" y="3176755"/>
-            <a:ext cx="1579419" cy="1354217"/>
-          </a:xfrm>
-          <a:prstGeom prst="rect">
-            <a:avLst/>
-          </a:prstGeom>
-          <a:noFill/>
-        </p:spPr>
-        <p:txBody>
-          <a:bodyPr wrap="square" rtlCol="0">
-            <a:spAutoFit/>
-          </a:bodyPr>
-          <a:lstStyle/>
-          <a:p>
-            <a:r>
-              <a:rPr lang="hu-HU" sz="1800" b="1" dirty="0" err="1" smtClean="0">
-                <a:solidFill>
-                  <a:schemeClr val="tx1"/>
-                </a:solidFill>
-              </a:rPr>
-              <a:t>PictureBox</a:t>
-            </a:r>
-            <a:endParaRPr lang="hu-HU" sz="1800" b="1" dirty="0" smtClean="0">
-              <a:solidFill>
-                <a:schemeClr val="tx1"/>
-              </a:solidFill>
-            </a:endParaRPr>
-          </a:p>
-          <a:p>
-            <a:endParaRPr lang="hu-HU" sz="1000" dirty="0" smtClean="0">
-              <a:solidFill>
-                <a:schemeClr val="tx1"/>
-              </a:solidFill>
-            </a:endParaRPr>
-          </a:p>
-          <a:p>
-            <a:r>
-              <a:rPr lang="hu-HU" sz="1800" dirty="0" err="1" smtClean="0">
-                <a:solidFill>
-                  <a:schemeClr val="tx1"/>
-                </a:solidFill>
-              </a:rPr>
-              <a:t>pl</a:t>
-            </a:r>
-            <a:r>
-              <a:rPr lang="hu-HU" sz="1800" dirty="0" smtClean="0">
-                <a:solidFill>
-                  <a:schemeClr val="tx1"/>
-                </a:solidFill>
-              </a:rPr>
-              <a:t>:</a:t>
-            </a:r>
-          </a:p>
-          <a:p>
-            <a:pPr marL="285750" indent="-285750">
-              <a:buFont typeface="Wingdings" panose="05000000000000000000" pitchFamily="2" charset="2"/>
-              <a:buChar char="q"/>
-            </a:pPr>
-            <a:r>
-              <a:rPr lang="hu-HU" sz="1800" dirty="0" err="1" smtClean="0">
-                <a:solidFill>
-                  <a:schemeClr val="tx1"/>
-                </a:solidFill>
-              </a:rPr>
-              <a:t>Player</a:t>
-            </a:r>
-            <a:endParaRPr lang="hu-HU" sz="1800" dirty="0" smtClean="0">
-              <a:solidFill>
-                <a:schemeClr val="tx1"/>
-              </a:solidFill>
-            </a:endParaRPr>
-          </a:p>
-          <a:p>
-            <a:pPr marL="285750" indent="-285750">
-              <a:buFont typeface="Wingdings" panose="05000000000000000000" pitchFamily="2" charset="2"/>
-              <a:buChar char="q"/>
-            </a:pPr>
-            <a:r>
-              <a:rPr lang="hu-HU" sz="1800" dirty="0" err="1" smtClean="0">
-                <a:solidFill>
-                  <a:schemeClr val="tx1"/>
-                </a:solidFill>
-              </a:rPr>
-              <a:t>Zombie</a:t>
-            </a:r>
-            <a:endParaRPr lang="hu-HU" sz="1800" dirty="0" smtClean="0">
-              <a:solidFill>
-                <a:schemeClr val="tx1"/>
-              </a:solidFill>
-            </a:endParaRPr>
-          </a:p>
-        </p:txBody>
-      </p:sp>
-      <p:grpSp>
-        <p:nvGrpSpPr>
-          <p:cNvPr id="36" name="Google Shape;1759;p68"/>
-          <p:cNvGrpSpPr/>
-          <p:nvPr/>
-        </p:nvGrpSpPr>
-        <p:grpSpPr>
-          <a:xfrm>
-            <a:off x="8149937" y="254743"/>
-            <a:ext cx="636237" cy="886742"/>
-            <a:chOff x="1927825" y="238125"/>
-            <a:chExt cx="3744775" cy="5219200"/>
-          </a:xfrm>
-        </p:grpSpPr>
-        <p:sp>
-          <p:nvSpPr>
-            <p:cNvPr id="37" name="Google Shape;1760;p68"/>
-            <p:cNvSpPr/>
-            <p:nvPr/>
-          </p:nvSpPr>
-          <p:spPr>
-            <a:xfrm>
-              <a:off x="2268700" y="975325"/>
-              <a:ext cx="3063025" cy="3744775"/>
-            </a:xfrm>
-            <a:custGeom>
-              <a:avLst/>
-              <a:gdLst/>
-              <a:ahLst/>
-              <a:cxnLst/>
-              <a:rect l="l" t="t" r="r" b="b"/>
-              <a:pathLst>
-                <a:path w="122521" h="149791" extrusionOk="0">
-                  <a:moveTo>
-                    <a:pt x="6785" y="0"/>
-                  </a:moveTo>
-                  <a:cubicBezTo>
-                    <a:pt x="3034" y="0"/>
-                    <a:pt x="0" y="3067"/>
-                    <a:pt x="0" y="6818"/>
-                  </a:cubicBezTo>
-                  <a:lnTo>
-                    <a:pt x="0" y="20420"/>
-                  </a:lnTo>
-                  <a:cubicBezTo>
-                    <a:pt x="0" y="34316"/>
-                    <a:pt x="4535" y="47397"/>
-                    <a:pt x="13048" y="58227"/>
-                  </a:cubicBezTo>
-                  <a:cubicBezTo>
-                    <a:pt x="15691" y="61587"/>
-                    <a:pt x="19768" y="65240"/>
-                    <a:pt x="25574" y="69318"/>
-                  </a:cubicBezTo>
-                  <a:cubicBezTo>
-                    <a:pt x="29391" y="72025"/>
-                    <a:pt x="29456" y="77701"/>
-                    <a:pt x="25574" y="80474"/>
-                  </a:cubicBezTo>
-                  <a:cubicBezTo>
-                    <a:pt x="19768" y="84551"/>
-                    <a:pt x="15691" y="88204"/>
-                    <a:pt x="13048" y="91564"/>
-                  </a:cubicBezTo>
-                  <a:cubicBezTo>
-                    <a:pt x="4535" y="102394"/>
-                    <a:pt x="0" y="115475"/>
-                    <a:pt x="0" y="129371"/>
-                  </a:cubicBezTo>
-                  <a:lnTo>
-                    <a:pt x="0" y="142973"/>
-                  </a:lnTo>
-                  <a:cubicBezTo>
-                    <a:pt x="0" y="146725"/>
-                    <a:pt x="3034" y="149791"/>
-                    <a:pt x="6785" y="149791"/>
-                  </a:cubicBezTo>
-                  <a:lnTo>
-                    <a:pt x="115736" y="149791"/>
-                  </a:lnTo>
-                  <a:cubicBezTo>
-                    <a:pt x="119487" y="149791"/>
-                    <a:pt x="122521" y="146725"/>
-                    <a:pt x="122521" y="142973"/>
-                  </a:cubicBezTo>
-                  <a:lnTo>
-                    <a:pt x="122521" y="129371"/>
-                  </a:lnTo>
-                  <a:cubicBezTo>
-                    <a:pt x="122521" y="115475"/>
-                    <a:pt x="117987" y="102394"/>
-                    <a:pt x="109473" y="91564"/>
-                  </a:cubicBezTo>
-                  <a:cubicBezTo>
-                    <a:pt x="106831" y="88204"/>
-                    <a:pt x="102753" y="84551"/>
-                    <a:pt x="96947" y="80474"/>
-                  </a:cubicBezTo>
-                  <a:cubicBezTo>
-                    <a:pt x="93130" y="77766"/>
-                    <a:pt x="93065" y="72090"/>
-                    <a:pt x="96947" y="69318"/>
-                  </a:cubicBezTo>
-                  <a:cubicBezTo>
-                    <a:pt x="102753" y="65240"/>
-                    <a:pt x="106831" y="61587"/>
-                    <a:pt x="109473" y="58227"/>
-                  </a:cubicBezTo>
-                  <a:cubicBezTo>
-                    <a:pt x="117987" y="47397"/>
-                    <a:pt x="122521" y="34316"/>
-                    <a:pt x="122521" y="20420"/>
-                  </a:cubicBezTo>
-                  <a:lnTo>
-                    <a:pt x="122521" y="6818"/>
-                  </a:lnTo>
-                  <a:cubicBezTo>
-                    <a:pt x="122521" y="3067"/>
-                    <a:pt x="119487" y="0"/>
-                    <a:pt x="115736" y="0"/>
-                  </a:cubicBezTo>
-                  <a:close/>
-                </a:path>
-              </a:pathLst>
-            </a:custGeom>
-            <a:solidFill>
-              <a:schemeClr val="lt1"/>
-            </a:solidFill>
-            <a:ln>
-              <a:noFill/>
-            </a:ln>
-          </p:spPr>
-          <p:txBody>
-            <a:bodyPr spcFirstLastPara="1" wrap="square" lIns="91425" tIns="91425" rIns="91425" bIns="91425" anchor="ctr" anchorCtr="0">
-              <a:noAutofit/>
-            </a:bodyPr>
-            <a:lstStyle/>
-            <a:p>
-              <a:pPr marL="0" lvl="0" indent="0" algn="l" rtl="0">
-                <a:spcBef>
-                  <a:spcPts val="0"/>
-                </a:spcBef>
-                <a:spcAft>
-                  <a:spcPts val="0"/>
-                </a:spcAft>
-                <a:buNone/>
-              </a:pPr>
-              <a:endParaRPr/>
-            </a:p>
-          </p:txBody>
-        </p:sp>
-        <p:sp>
-          <p:nvSpPr>
-            <p:cNvPr id="38" name="Google Shape;1761;p68"/>
-            <p:cNvSpPr/>
-            <p:nvPr/>
-          </p:nvSpPr>
-          <p:spPr>
-            <a:xfrm>
-              <a:off x="3800200" y="975325"/>
-              <a:ext cx="1531525" cy="3744775"/>
-            </a:xfrm>
-            <a:custGeom>
-              <a:avLst/>
-              <a:gdLst/>
-              <a:ahLst/>
-              <a:cxnLst/>
-              <a:rect l="l" t="t" r="r" b="b"/>
-              <a:pathLst>
-                <a:path w="61261" h="149791" extrusionOk="0">
-                  <a:moveTo>
-                    <a:pt x="1" y="0"/>
-                  </a:moveTo>
-                  <a:lnTo>
-                    <a:pt x="1" y="149791"/>
-                  </a:lnTo>
-                  <a:lnTo>
-                    <a:pt x="54476" y="149791"/>
-                  </a:lnTo>
-                  <a:cubicBezTo>
-                    <a:pt x="58227" y="149791"/>
-                    <a:pt x="61261" y="146725"/>
-                    <a:pt x="61261" y="142973"/>
-                  </a:cubicBezTo>
-                  <a:lnTo>
-                    <a:pt x="61261" y="129371"/>
-                  </a:lnTo>
-                  <a:cubicBezTo>
-                    <a:pt x="61261" y="115475"/>
-                    <a:pt x="56727" y="102394"/>
-                    <a:pt x="48213" y="91564"/>
-                  </a:cubicBezTo>
-                  <a:cubicBezTo>
-                    <a:pt x="45571" y="88204"/>
-                    <a:pt x="41493" y="84551"/>
-                    <a:pt x="35687" y="80474"/>
-                  </a:cubicBezTo>
-                  <a:cubicBezTo>
-                    <a:pt x="31870" y="77766"/>
-                    <a:pt x="31805" y="72090"/>
-                    <a:pt x="35687" y="69318"/>
-                  </a:cubicBezTo>
-                  <a:cubicBezTo>
-                    <a:pt x="41493" y="65240"/>
-                    <a:pt x="45571" y="61587"/>
-                    <a:pt x="48213" y="58227"/>
-                  </a:cubicBezTo>
-                  <a:cubicBezTo>
-                    <a:pt x="56727" y="47397"/>
-                    <a:pt x="61261" y="34316"/>
-                    <a:pt x="61261" y="20420"/>
-                  </a:cubicBezTo>
-                  <a:lnTo>
-                    <a:pt x="61261" y="6818"/>
-                  </a:lnTo>
-                  <a:cubicBezTo>
-                    <a:pt x="61261" y="3067"/>
-                    <a:pt x="58227" y="0"/>
-                    <a:pt x="54476" y="0"/>
-                  </a:cubicBezTo>
-                  <a:close/>
-                </a:path>
-              </a:pathLst>
-            </a:custGeom>
-            <a:solidFill>
-              <a:schemeClr val="lt1"/>
-            </a:solidFill>
-            <a:ln>
-              <a:noFill/>
-            </a:ln>
-          </p:spPr>
-          <p:txBody>
-            <a:bodyPr spcFirstLastPara="1" wrap="square" lIns="91425" tIns="91425" rIns="91425" bIns="91425" anchor="ctr" anchorCtr="0">
-              <a:noAutofit/>
-            </a:bodyPr>
-            <a:lstStyle/>
-            <a:p>
-              <a:pPr marL="0" lvl="0" indent="0" algn="l" rtl="0">
-                <a:spcBef>
-                  <a:spcPts val="0"/>
-                </a:spcBef>
-                <a:spcAft>
-                  <a:spcPts val="0"/>
-                </a:spcAft>
-                <a:buNone/>
-              </a:pPr>
-              <a:endParaRPr/>
-            </a:p>
-          </p:txBody>
-        </p:sp>
-        <p:sp>
-          <p:nvSpPr>
-            <p:cNvPr id="39" name="Google Shape;1762;p68"/>
-            <p:cNvSpPr/>
-            <p:nvPr/>
-          </p:nvSpPr>
-          <p:spPr>
-            <a:xfrm>
-              <a:off x="2949650" y="3268500"/>
-              <a:ext cx="1701150" cy="1451600"/>
-            </a:xfrm>
-            <a:custGeom>
-              <a:avLst/>
-              <a:gdLst/>
-              <a:ahLst/>
-              <a:cxnLst/>
-              <a:rect l="l" t="t" r="r" b="b"/>
-              <a:pathLst>
-                <a:path w="68046" h="58064" extrusionOk="0">
-                  <a:moveTo>
-                    <a:pt x="34023" y="0"/>
-                  </a:moveTo>
-                  <a:cubicBezTo>
-                    <a:pt x="31152" y="0"/>
-                    <a:pt x="28314" y="1697"/>
-                    <a:pt x="27433" y="5089"/>
-                  </a:cubicBezTo>
-                  <a:cubicBezTo>
-                    <a:pt x="24661" y="16017"/>
-                    <a:pt x="19539" y="20029"/>
-                    <a:pt x="14157" y="24302"/>
-                  </a:cubicBezTo>
-                  <a:cubicBezTo>
-                    <a:pt x="7503" y="29521"/>
-                    <a:pt x="0" y="35458"/>
-                    <a:pt x="0" y="51246"/>
-                  </a:cubicBezTo>
-                  <a:cubicBezTo>
-                    <a:pt x="0" y="54998"/>
-                    <a:pt x="3034" y="58064"/>
-                    <a:pt x="6785" y="58064"/>
-                  </a:cubicBezTo>
-                  <a:lnTo>
-                    <a:pt x="61260" y="58064"/>
-                  </a:lnTo>
-                  <a:cubicBezTo>
-                    <a:pt x="65011" y="58064"/>
-                    <a:pt x="68045" y="54998"/>
-                    <a:pt x="68045" y="51246"/>
-                  </a:cubicBezTo>
-                  <a:cubicBezTo>
-                    <a:pt x="68045" y="35458"/>
-                    <a:pt x="60543" y="29521"/>
-                    <a:pt x="53888" y="24302"/>
-                  </a:cubicBezTo>
-                  <a:cubicBezTo>
-                    <a:pt x="48506" y="20029"/>
-                    <a:pt x="43384" y="16017"/>
-                    <a:pt x="40612" y="5089"/>
-                  </a:cubicBezTo>
-                  <a:cubicBezTo>
-                    <a:pt x="39731" y="1697"/>
-                    <a:pt x="36893" y="0"/>
-                    <a:pt x="34023" y="0"/>
-                  </a:cubicBezTo>
-                  <a:close/>
-                </a:path>
-              </a:pathLst>
-            </a:custGeom>
-            <a:solidFill>
-              <a:schemeClr val="lt2"/>
-            </a:solidFill>
-            <a:ln>
-              <a:noFill/>
-            </a:ln>
-          </p:spPr>
-          <p:txBody>
-            <a:bodyPr spcFirstLastPara="1" wrap="square" lIns="91425" tIns="91425" rIns="91425" bIns="91425" anchor="ctr" anchorCtr="0">
-              <a:noAutofit/>
-            </a:bodyPr>
-            <a:lstStyle/>
-            <a:p>
-              <a:pPr marL="0" lvl="0" indent="0" algn="l" rtl="0">
-                <a:spcBef>
-                  <a:spcPts val="0"/>
-                </a:spcBef>
-                <a:spcAft>
-                  <a:spcPts val="0"/>
-                </a:spcAft>
-                <a:buNone/>
-              </a:pPr>
-              <a:endParaRPr/>
-            </a:p>
-          </p:txBody>
-        </p:sp>
-        <p:sp>
-          <p:nvSpPr>
-            <p:cNvPr id="40" name="Google Shape;1763;p68"/>
-            <p:cNvSpPr/>
-            <p:nvPr/>
-          </p:nvSpPr>
-          <p:spPr>
-            <a:xfrm>
-              <a:off x="3800200" y="3268500"/>
-              <a:ext cx="850600" cy="1451600"/>
-            </a:xfrm>
-            <a:custGeom>
-              <a:avLst/>
-              <a:gdLst/>
-              <a:ahLst/>
-              <a:cxnLst/>
-              <a:rect l="l" t="t" r="r" b="b"/>
-              <a:pathLst>
-                <a:path w="34024" h="58064" extrusionOk="0">
-                  <a:moveTo>
-                    <a:pt x="1" y="0"/>
-                  </a:moveTo>
-                  <a:lnTo>
-                    <a:pt x="1" y="58064"/>
-                  </a:lnTo>
-                  <a:lnTo>
-                    <a:pt x="27238" y="58064"/>
-                  </a:lnTo>
-                  <a:cubicBezTo>
-                    <a:pt x="30989" y="58064"/>
-                    <a:pt x="34023" y="54998"/>
-                    <a:pt x="34023" y="51246"/>
-                  </a:cubicBezTo>
-                  <a:cubicBezTo>
-                    <a:pt x="34023" y="35458"/>
-                    <a:pt x="26521" y="29521"/>
-                    <a:pt x="19866" y="24302"/>
-                  </a:cubicBezTo>
-                  <a:cubicBezTo>
-                    <a:pt x="14484" y="20029"/>
-                    <a:pt x="9362" y="16017"/>
-                    <a:pt x="6590" y="5089"/>
-                  </a:cubicBezTo>
-                  <a:cubicBezTo>
-                    <a:pt x="5709" y="1697"/>
-                    <a:pt x="2871" y="0"/>
-                    <a:pt x="1" y="0"/>
-                  </a:cubicBezTo>
-                  <a:close/>
-                </a:path>
-              </a:pathLst>
-            </a:custGeom>
-            <a:solidFill>
-              <a:schemeClr val="accent1"/>
-            </a:solidFill>
-            <a:ln>
-              <a:noFill/>
-            </a:ln>
-          </p:spPr>
-          <p:txBody>
-            <a:bodyPr spcFirstLastPara="1" wrap="square" lIns="91425" tIns="91425" rIns="91425" bIns="91425" anchor="ctr" anchorCtr="0">
-              <a:noAutofit/>
-            </a:bodyPr>
-            <a:lstStyle/>
-            <a:p>
-              <a:pPr marL="0" lvl="0" indent="0" algn="l" rtl="0">
-                <a:spcBef>
-                  <a:spcPts val="0"/>
-                </a:spcBef>
-                <a:spcAft>
-                  <a:spcPts val="0"/>
-                </a:spcAft>
-                <a:buNone/>
-              </a:pPr>
-              <a:endParaRPr/>
-            </a:p>
-          </p:txBody>
-        </p:sp>
-        <p:sp>
-          <p:nvSpPr>
-            <p:cNvPr id="41" name="Google Shape;1764;p68"/>
-            <p:cNvSpPr/>
-            <p:nvPr/>
-          </p:nvSpPr>
-          <p:spPr>
-            <a:xfrm>
-              <a:off x="1927825" y="238125"/>
-              <a:ext cx="3744775" cy="1078100"/>
-            </a:xfrm>
-            <a:custGeom>
-              <a:avLst/>
-              <a:gdLst/>
-              <a:ahLst/>
-              <a:cxnLst/>
-              <a:rect l="l" t="t" r="r" b="b"/>
-              <a:pathLst>
-                <a:path w="149791" h="43124" extrusionOk="0">
-                  <a:moveTo>
-                    <a:pt x="6818" y="0"/>
-                  </a:moveTo>
-                  <a:cubicBezTo>
-                    <a:pt x="3067" y="0"/>
-                    <a:pt x="0" y="3034"/>
-                    <a:pt x="0" y="6818"/>
-                  </a:cubicBezTo>
-                  <a:lnTo>
-                    <a:pt x="0" y="22703"/>
-                  </a:lnTo>
-                  <a:cubicBezTo>
-                    <a:pt x="0" y="33957"/>
-                    <a:pt x="9167" y="43123"/>
-                    <a:pt x="20420" y="43123"/>
-                  </a:cubicBezTo>
-                  <a:lnTo>
-                    <a:pt x="129371" y="43123"/>
-                  </a:lnTo>
-                  <a:cubicBezTo>
-                    <a:pt x="140625" y="43123"/>
-                    <a:pt x="149791" y="33957"/>
-                    <a:pt x="149791" y="22703"/>
-                  </a:cubicBezTo>
-                  <a:lnTo>
-                    <a:pt x="149791" y="6818"/>
-                  </a:lnTo>
-                  <a:cubicBezTo>
-                    <a:pt x="149791" y="3034"/>
-                    <a:pt x="146725" y="0"/>
-                    <a:pt x="142973" y="0"/>
-                  </a:cubicBezTo>
-                  <a:close/>
-                </a:path>
-              </a:pathLst>
-            </a:custGeom>
-            <a:solidFill>
-              <a:schemeClr val="accent2"/>
-            </a:solidFill>
-            <a:ln>
-              <a:noFill/>
-            </a:ln>
-          </p:spPr>
-          <p:txBody>
-            <a:bodyPr spcFirstLastPara="1" wrap="square" lIns="91425" tIns="91425" rIns="91425" bIns="91425" anchor="ctr" anchorCtr="0">
-              <a:noAutofit/>
-            </a:bodyPr>
-            <a:lstStyle/>
-            <a:p>
-              <a:pPr marL="0" lvl="0" indent="0" algn="l" rtl="0">
-                <a:spcBef>
-                  <a:spcPts val="0"/>
-                </a:spcBef>
-                <a:spcAft>
-                  <a:spcPts val="0"/>
-                </a:spcAft>
-                <a:buNone/>
-              </a:pPr>
-              <a:endParaRPr/>
-            </a:p>
-          </p:txBody>
-        </p:sp>
-        <p:sp>
-          <p:nvSpPr>
-            <p:cNvPr id="42" name="Google Shape;1765;p68"/>
-            <p:cNvSpPr/>
-            <p:nvPr/>
-          </p:nvSpPr>
-          <p:spPr>
-            <a:xfrm>
-              <a:off x="3800200" y="238125"/>
-              <a:ext cx="1872400" cy="1078100"/>
-            </a:xfrm>
-            <a:custGeom>
-              <a:avLst/>
-              <a:gdLst/>
-              <a:ahLst/>
-              <a:cxnLst/>
-              <a:rect l="l" t="t" r="r" b="b"/>
-              <a:pathLst>
-                <a:path w="74896" h="43124" extrusionOk="0">
-                  <a:moveTo>
-                    <a:pt x="1" y="0"/>
-                  </a:moveTo>
-                  <a:lnTo>
-                    <a:pt x="1" y="43123"/>
-                  </a:lnTo>
-                  <a:lnTo>
-                    <a:pt x="54476" y="43123"/>
-                  </a:lnTo>
-                  <a:cubicBezTo>
-                    <a:pt x="65730" y="43123"/>
-                    <a:pt x="74896" y="33957"/>
-                    <a:pt x="74896" y="22703"/>
-                  </a:cubicBezTo>
-                  <a:lnTo>
-                    <a:pt x="74896" y="6818"/>
-                  </a:lnTo>
-                  <a:cubicBezTo>
-                    <a:pt x="74896" y="3034"/>
-                    <a:pt x="71830" y="0"/>
-                    <a:pt x="68078" y="0"/>
-                  </a:cubicBezTo>
-                  <a:close/>
-                </a:path>
-              </a:pathLst>
-            </a:custGeom>
-            <a:solidFill>
-              <a:schemeClr val="accent3"/>
-            </a:solidFill>
-            <a:ln>
-              <a:noFill/>
-            </a:ln>
-          </p:spPr>
-          <p:txBody>
-            <a:bodyPr spcFirstLastPara="1" wrap="square" lIns="91425" tIns="91425" rIns="91425" bIns="91425" anchor="ctr" anchorCtr="0">
-              <a:noAutofit/>
-            </a:bodyPr>
-            <a:lstStyle/>
-            <a:p>
-              <a:pPr marL="0" lvl="0" indent="0" algn="l" rtl="0">
-                <a:spcBef>
-                  <a:spcPts val="0"/>
-                </a:spcBef>
-                <a:spcAft>
-                  <a:spcPts val="0"/>
-                </a:spcAft>
-                <a:buNone/>
-              </a:pPr>
-              <a:endParaRPr/>
-            </a:p>
-          </p:txBody>
-        </p:sp>
-        <p:sp>
-          <p:nvSpPr>
-            <p:cNvPr id="43" name="Google Shape;1766;p68"/>
-            <p:cNvSpPr/>
-            <p:nvPr/>
-          </p:nvSpPr>
-          <p:spPr>
-            <a:xfrm>
-              <a:off x="1927825" y="4379200"/>
-              <a:ext cx="3744775" cy="1078125"/>
-            </a:xfrm>
-            <a:custGeom>
-              <a:avLst/>
-              <a:gdLst/>
-              <a:ahLst/>
-              <a:cxnLst/>
-              <a:rect l="l" t="t" r="r" b="b"/>
-              <a:pathLst>
-                <a:path w="149791" h="43125" extrusionOk="0">
-                  <a:moveTo>
-                    <a:pt x="20420" y="1"/>
-                  </a:moveTo>
-                  <a:cubicBezTo>
-                    <a:pt x="9167" y="1"/>
-                    <a:pt x="0" y="9167"/>
-                    <a:pt x="0" y="20421"/>
-                  </a:cubicBezTo>
-                  <a:lnTo>
-                    <a:pt x="0" y="36307"/>
-                  </a:lnTo>
-                  <a:cubicBezTo>
-                    <a:pt x="0" y="40090"/>
-                    <a:pt x="3067" y="43124"/>
-                    <a:pt x="6818" y="43124"/>
-                  </a:cubicBezTo>
-                  <a:lnTo>
-                    <a:pt x="142973" y="43124"/>
-                  </a:lnTo>
-                  <a:cubicBezTo>
-                    <a:pt x="146725" y="43124"/>
-                    <a:pt x="149791" y="40090"/>
-                    <a:pt x="149791" y="36307"/>
-                  </a:cubicBezTo>
-                  <a:lnTo>
-                    <a:pt x="149791" y="20421"/>
-                  </a:lnTo>
-                  <a:cubicBezTo>
-                    <a:pt x="149791" y="9167"/>
-                    <a:pt x="140625" y="1"/>
-                    <a:pt x="129371" y="1"/>
-                  </a:cubicBezTo>
-                  <a:close/>
-                </a:path>
-              </a:pathLst>
-            </a:custGeom>
-            <a:solidFill>
-              <a:schemeClr val="accent2"/>
-            </a:solidFill>
-            <a:ln>
-              <a:noFill/>
-            </a:ln>
-          </p:spPr>
-          <p:txBody>
-            <a:bodyPr spcFirstLastPara="1" wrap="square" lIns="91425" tIns="91425" rIns="91425" bIns="91425" anchor="ctr" anchorCtr="0">
-              <a:noAutofit/>
-            </a:bodyPr>
-            <a:lstStyle/>
-            <a:p>
-              <a:pPr marL="0" lvl="0" indent="0" algn="l" rtl="0">
-                <a:spcBef>
-                  <a:spcPts val="0"/>
-                </a:spcBef>
-                <a:spcAft>
-                  <a:spcPts val="0"/>
-                </a:spcAft>
-                <a:buNone/>
-              </a:pPr>
-              <a:endParaRPr/>
-            </a:p>
-          </p:txBody>
-        </p:sp>
-        <p:sp>
-          <p:nvSpPr>
-            <p:cNvPr id="44" name="Google Shape;1767;p68"/>
-            <p:cNvSpPr/>
-            <p:nvPr/>
-          </p:nvSpPr>
-          <p:spPr>
-            <a:xfrm>
-              <a:off x="3800200" y="4379200"/>
-              <a:ext cx="1872400" cy="1078125"/>
-            </a:xfrm>
-            <a:custGeom>
-              <a:avLst/>
-              <a:gdLst/>
-              <a:ahLst/>
-              <a:cxnLst/>
-              <a:rect l="l" t="t" r="r" b="b"/>
-              <a:pathLst>
-                <a:path w="74896" h="43125" extrusionOk="0">
-                  <a:moveTo>
-                    <a:pt x="1" y="1"/>
-                  </a:moveTo>
-                  <a:lnTo>
-                    <a:pt x="1" y="43124"/>
-                  </a:lnTo>
-                  <a:lnTo>
-                    <a:pt x="68078" y="43124"/>
-                  </a:lnTo>
-                  <a:cubicBezTo>
-                    <a:pt x="71830" y="43124"/>
-                    <a:pt x="74896" y="40090"/>
-                    <a:pt x="74896" y="36307"/>
-                  </a:cubicBezTo>
-                  <a:lnTo>
-                    <a:pt x="74896" y="20421"/>
-                  </a:lnTo>
-                  <a:cubicBezTo>
-                    <a:pt x="74896" y="9167"/>
-                    <a:pt x="65730" y="1"/>
-                    <a:pt x="54476" y="1"/>
-                  </a:cubicBezTo>
-                  <a:close/>
-                </a:path>
-              </a:pathLst>
-            </a:custGeom>
-            <a:solidFill>
-              <a:schemeClr val="accent3"/>
-            </a:solidFill>
-            <a:ln>
-              <a:noFill/>
-            </a:ln>
-          </p:spPr>
-          <p:txBody>
-            <a:bodyPr spcFirstLastPara="1" wrap="square" lIns="91425" tIns="91425" rIns="91425" bIns="91425" anchor="ctr" anchorCtr="0">
-              <a:noAutofit/>
-            </a:bodyPr>
-            <a:lstStyle/>
-            <a:p>
-              <a:pPr marL="0" lvl="0" indent="0" algn="l" rtl="0">
-                <a:spcBef>
-                  <a:spcPts val="0"/>
-                </a:spcBef>
-                <a:spcAft>
-                  <a:spcPts val="0"/>
-                </a:spcAft>
-                <a:buNone/>
-              </a:pPr>
-              <a:endParaRPr/>
-            </a:p>
-          </p:txBody>
-        </p:sp>
-        <p:sp>
-          <p:nvSpPr>
-            <p:cNvPr id="45" name="Google Shape;1768;p68"/>
-            <p:cNvSpPr/>
-            <p:nvPr/>
-          </p:nvSpPr>
-          <p:spPr>
-            <a:xfrm>
-              <a:off x="2997750" y="1656250"/>
-              <a:ext cx="1604925" cy="1110750"/>
-            </a:xfrm>
-            <a:custGeom>
-              <a:avLst/>
-              <a:gdLst/>
-              <a:ahLst/>
-              <a:cxnLst/>
-              <a:rect l="l" t="t" r="r" b="b"/>
-              <a:pathLst>
-                <a:path w="64197" h="44430" extrusionOk="0">
-                  <a:moveTo>
-                    <a:pt x="8514" y="1"/>
-                  </a:moveTo>
-                  <a:cubicBezTo>
-                    <a:pt x="3295" y="1"/>
-                    <a:pt x="1" y="5677"/>
-                    <a:pt x="2610" y="10211"/>
-                  </a:cubicBezTo>
-                  <a:cubicBezTo>
-                    <a:pt x="6492" y="16963"/>
-                    <a:pt x="10994" y="20030"/>
-                    <a:pt x="14614" y="22411"/>
-                  </a:cubicBezTo>
-                  <a:cubicBezTo>
-                    <a:pt x="19246" y="25542"/>
-                    <a:pt x="22574" y="27826"/>
-                    <a:pt x="25509" y="39341"/>
-                  </a:cubicBezTo>
-                  <a:cubicBezTo>
-                    <a:pt x="26390" y="42766"/>
-                    <a:pt x="29228" y="44429"/>
-                    <a:pt x="32099" y="44429"/>
-                  </a:cubicBezTo>
-                  <a:cubicBezTo>
-                    <a:pt x="35002" y="44429"/>
-                    <a:pt x="37872" y="42766"/>
-                    <a:pt x="38720" y="39308"/>
-                  </a:cubicBezTo>
-                  <a:cubicBezTo>
-                    <a:pt x="41624" y="27793"/>
-                    <a:pt x="44983" y="25542"/>
-                    <a:pt x="49615" y="22411"/>
-                  </a:cubicBezTo>
-                  <a:cubicBezTo>
-                    <a:pt x="53204" y="20030"/>
-                    <a:pt x="57705" y="16963"/>
-                    <a:pt x="61587" y="10211"/>
-                  </a:cubicBezTo>
-                  <a:cubicBezTo>
-                    <a:pt x="64197" y="5677"/>
-                    <a:pt x="60902" y="1"/>
-                    <a:pt x="55683" y="1"/>
-                  </a:cubicBezTo>
-                  <a:close/>
-                </a:path>
-              </a:pathLst>
-            </a:custGeom>
-            <a:solidFill>
-              <a:schemeClr val="lt2"/>
-            </a:solidFill>
-            <a:ln>
-              <a:noFill/>
-            </a:ln>
-          </p:spPr>
-          <p:txBody>
-            <a:bodyPr spcFirstLastPara="1" wrap="square" lIns="91425" tIns="91425" rIns="91425" bIns="91425" anchor="ctr" anchorCtr="0">
-              <a:noAutofit/>
-            </a:bodyPr>
-            <a:lstStyle/>
-            <a:p>
-              <a:pPr marL="0" lvl="0" indent="0" algn="l" rtl="0">
-                <a:spcBef>
-                  <a:spcPts val="0"/>
-                </a:spcBef>
-                <a:spcAft>
-                  <a:spcPts val="0"/>
-                </a:spcAft>
-                <a:buNone/>
-              </a:pPr>
-              <a:endParaRPr/>
-            </a:p>
-          </p:txBody>
-        </p:sp>
-        <p:sp>
-          <p:nvSpPr>
-            <p:cNvPr id="46" name="Google Shape;1769;p68"/>
-            <p:cNvSpPr/>
-            <p:nvPr/>
-          </p:nvSpPr>
-          <p:spPr>
-            <a:xfrm>
-              <a:off x="3800200" y="1656250"/>
-              <a:ext cx="802475" cy="1110750"/>
-            </a:xfrm>
-            <a:custGeom>
-              <a:avLst/>
-              <a:gdLst/>
-              <a:ahLst/>
-              <a:cxnLst/>
-              <a:rect l="l" t="t" r="r" b="b"/>
-              <a:pathLst>
-                <a:path w="32099" h="44430" extrusionOk="0">
-                  <a:moveTo>
-                    <a:pt x="1" y="1"/>
-                  </a:moveTo>
-                  <a:lnTo>
-                    <a:pt x="1" y="44429"/>
-                  </a:lnTo>
-                  <a:cubicBezTo>
-                    <a:pt x="2904" y="44429"/>
-                    <a:pt x="5774" y="42766"/>
-                    <a:pt x="6622" y="39308"/>
-                  </a:cubicBezTo>
-                  <a:cubicBezTo>
-                    <a:pt x="9526" y="27793"/>
-                    <a:pt x="12885" y="25542"/>
-                    <a:pt x="17517" y="22411"/>
-                  </a:cubicBezTo>
-                  <a:cubicBezTo>
-                    <a:pt x="21106" y="20030"/>
-                    <a:pt x="25607" y="16963"/>
-                    <a:pt x="29489" y="10211"/>
-                  </a:cubicBezTo>
-                  <a:cubicBezTo>
-                    <a:pt x="32099" y="5677"/>
-                    <a:pt x="28804" y="1"/>
-                    <a:pt x="23585" y="1"/>
-                  </a:cubicBezTo>
-                  <a:close/>
-                </a:path>
-              </a:pathLst>
-            </a:custGeom>
-            <a:solidFill>
-              <a:schemeClr val="accent1"/>
-            </a:solidFill>
-            <a:ln>
-              <a:noFill/>
-            </a:ln>
-          </p:spPr>
-          <p:txBody>
-            <a:bodyPr spcFirstLastPara="1" wrap="square" lIns="91425" tIns="91425" rIns="91425" bIns="91425" anchor="ctr" anchorCtr="0">
-              <a:noAutofit/>
-            </a:bodyPr>
-            <a:lstStyle/>
-            <a:p>
-              <a:pPr marL="0" lvl="0" indent="0" algn="l" rtl="0">
-                <a:spcBef>
-                  <a:spcPts val="0"/>
-                </a:spcBef>
-                <a:spcAft>
-                  <a:spcPts val="0"/>
-                </a:spcAft>
-                <a:buNone/>
-              </a:pPr>
-              <a:endParaRPr/>
-            </a:p>
-          </p:txBody>
-        </p:sp>
-      </p:grpSp>
-    </p:spTree>
-    <p:extLst>
-      <p:ext uri="{BB962C8B-B14F-4D97-AF65-F5344CB8AC3E}">
-        <p14:creationId xmlns:p14="http://schemas.microsoft.com/office/powerpoint/2010/main" val="2365785505"/>
-      </p:ext>
-    </p:extLst>
-  </p:cSld>
-  <p:clrMapOvr>
-    <a:masterClrMapping/>
-  </p:clrMapOvr>
-  <p:timing>
-    <p:tnLst>
-      <p:par>
-        <p:cTn id="1" dur="indefinite" restart="never" nodeType="tmRoot"/>
-      </p:par>
-    </p:tnLst>
-  </p:timing>
-</p:sld>
-</file>
-
 <file path=ppt/theme/theme1.xml><?xml version="1.0" encoding="utf-8"?>
 <a:theme xmlns:a="http://schemas.openxmlformats.org/drawingml/2006/main" name="Super Pixel Vintage Gaming by Slidesgo">
   <a:themeElements>
